--- a/Courses/Computer-Modeling-and-IT/Computer-Modeling-and-IT-5-Class/16-Programming-in-Scratch/16-Programming-in-Scratch.pptx
+++ b/Courses/Computer-Modeling-and-IT/Computer-Modeling-and-IT-5-Class/16-Programming-in-Scratch/16-Programming-in-Scratch.pptx
@@ -5,10 +5,10 @@
     <p:sldMasterId id="2147483675" r:id="rId1"/>
   </p:sldMasterIdLst>
   <p:notesMasterIdLst>
-    <p:notesMasterId r:id="rId29"/>
+    <p:notesMasterId r:id="rId30"/>
   </p:notesMasterIdLst>
   <p:handoutMasterIdLst>
-    <p:handoutMasterId r:id="rId30"/>
+    <p:handoutMasterId r:id="rId31"/>
   </p:handoutMasterIdLst>
   <p:sldIdLst>
     <p:sldId id="274" r:id="rId2"/>
@@ -16,28 +16,29 @@
     <p:sldId id="610" r:id="rId4"/>
     <p:sldId id="587" r:id="rId5"/>
     <p:sldId id="664" r:id="rId6"/>
-    <p:sldId id="635" r:id="rId7"/>
-    <p:sldId id="665" r:id="rId8"/>
-    <p:sldId id="666" r:id="rId9"/>
-    <p:sldId id="667" r:id="rId10"/>
-    <p:sldId id="668" r:id="rId11"/>
-    <p:sldId id="669" r:id="rId12"/>
-    <p:sldId id="671" r:id="rId13"/>
-    <p:sldId id="672" r:id="rId14"/>
-    <p:sldId id="673" r:id="rId15"/>
-    <p:sldId id="675" r:id="rId16"/>
-    <p:sldId id="674" r:id="rId17"/>
-    <p:sldId id="644" r:id="rId18"/>
-    <p:sldId id="676" r:id="rId19"/>
-    <p:sldId id="677" r:id="rId20"/>
-    <p:sldId id="678" r:id="rId21"/>
-    <p:sldId id="679" r:id="rId22"/>
-    <p:sldId id="680" r:id="rId23"/>
-    <p:sldId id="681" r:id="rId24"/>
-    <p:sldId id="684" r:id="rId25"/>
-    <p:sldId id="586" r:id="rId26"/>
-    <p:sldId id="528" r:id="rId27"/>
-    <p:sldId id="400" r:id="rId28"/>
+    <p:sldId id="685" r:id="rId7"/>
+    <p:sldId id="635" r:id="rId8"/>
+    <p:sldId id="665" r:id="rId9"/>
+    <p:sldId id="666" r:id="rId10"/>
+    <p:sldId id="667" r:id="rId11"/>
+    <p:sldId id="668" r:id="rId12"/>
+    <p:sldId id="669" r:id="rId13"/>
+    <p:sldId id="671" r:id="rId14"/>
+    <p:sldId id="672" r:id="rId15"/>
+    <p:sldId id="673" r:id="rId16"/>
+    <p:sldId id="675" r:id="rId17"/>
+    <p:sldId id="674" r:id="rId18"/>
+    <p:sldId id="644" r:id="rId19"/>
+    <p:sldId id="676" r:id="rId20"/>
+    <p:sldId id="677" r:id="rId21"/>
+    <p:sldId id="678" r:id="rId22"/>
+    <p:sldId id="679" r:id="rId23"/>
+    <p:sldId id="680" r:id="rId24"/>
+    <p:sldId id="681" r:id="rId25"/>
+    <p:sldId id="684" r:id="rId26"/>
+    <p:sldId id="586" r:id="rId27"/>
+    <p:sldId id="528" r:id="rId28"/>
+    <p:sldId id="400" r:id="rId29"/>
   </p:sldIdLst>
   <p:sldSz cx="12192000" cy="6858000"/>
   <p:notesSz cx="6858000" cy="9144000"/>
@@ -154,6 +155,7 @@
         <p14:section name="Интерфейс" id="{BDD1AE39-3CC6-4543-88C2-EEC2CB56FB68}">
           <p14:sldIdLst>
             <p14:sldId id="664"/>
+            <p14:sldId id="685"/>
             <p14:sldId id="635"/>
             <p14:sldId id="665"/>
             <p14:sldId id="666"/>
@@ -605,7 +607,7 @@
           <a:p>
             <a:fld id="{4E087215-0C8F-4762-A664-737A353EC9A4}" type="datetimeFigureOut">
               <a:rPr lang="bg-BG" smtClean="0"/>
-              <a:t>14.8.2023 г.</a:t>
+              <a:t>3.1.2024 г.</a:t>
             </a:fld>
             <a:endParaRPr lang="bg-BG"/>
           </a:p>
@@ -782,7 +784,7 @@
           <a:p>
             <a:fld id="{72D84649-876A-46C9-8472-14CB09C070D8}" type="datetimeFigureOut">
               <a:rPr lang="en-US" smtClean="0"/>
-              <a:t>8/14/2023</a:t>
+              <a:t>3-Jan-24</a:t>
             </a:fld>
             <a:endParaRPr lang="en-US"/>
           </a:p>
@@ -1299,7 +1301,7 @@
             <a:fld id="{3EBA5BD7-F043-4D1B-AA17-CD412FC534DE}" type="slidenum">
               <a:rPr lang="en-US" smtClean="0"/>
               <a:pPr/>
-              <a:t>25</a:t>
+              <a:t>26</a:t>
             </a:fld>
             <a:endParaRPr lang="en-US" dirty="0"/>
           </a:p>
@@ -1463,7 +1465,7 @@
                 </a:solidFill>
               </a:rPr>
               <a:pPr/>
-              <a:t>26</a:t>
+              <a:t>27</a:t>
             </a:fld>
             <a:endParaRPr lang="en-US" dirty="0">
               <a:solidFill>
@@ -1601,7 +1603,7 @@
             <a:fld id="{3EBA5BD7-F043-4D1B-AA17-CD412FC534DE}" type="slidenum">
               <a:rPr lang="en-US" smtClean="0"/>
               <a:pPr/>
-              <a:t>27</a:t>
+              <a:t>28</a:t>
             </a:fld>
             <a:endParaRPr lang="en-US" dirty="0"/>
           </a:p>
@@ -1822,7 +1824,7 @@
           <a:p>
             <a:fld id="{2BF067CD-8E6B-4360-9AA8-C5DF2A48A6D1}" type="slidenum">
               <a:rPr lang="en-US" smtClean="0"/>
-              <a:t>6</a:t>
+              <a:t>7</a:t>
             </a:fld>
             <a:endParaRPr lang="en-US"/>
           </a:p>
@@ -1906,7 +1908,7 @@
           <a:p>
             <a:fld id="{2BF067CD-8E6B-4360-9AA8-C5DF2A48A6D1}" type="slidenum">
               <a:rPr lang="en-US" smtClean="0"/>
-              <a:t>8</a:t>
+              <a:t>9</a:t>
             </a:fld>
             <a:endParaRPr lang="en-US"/>
           </a:p>
@@ -1990,7 +1992,7 @@
           <a:p>
             <a:fld id="{2BF067CD-8E6B-4360-9AA8-C5DF2A48A6D1}" type="slidenum">
               <a:rPr lang="en-US" smtClean="0"/>
-              <a:t>17</a:t>
+              <a:t>18</a:t>
             </a:fld>
             <a:endParaRPr lang="en-US"/>
           </a:p>
@@ -2074,7 +2076,7 @@
           <a:p>
             <a:fld id="{2BF067CD-8E6B-4360-9AA8-C5DF2A48A6D1}" type="slidenum">
               <a:rPr lang="en-US" smtClean="0"/>
-              <a:t>19</a:t>
+              <a:t>20</a:t>
             </a:fld>
             <a:endParaRPr lang="en-US"/>
           </a:p>
@@ -2158,7 +2160,7 @@
           <a:p>
             <a:fld id="{2BF067CD-8E6B-4360-9AA8-C5DF2A48A6D1}" type="slidenum">
               <a:rPr lang="en-US" smtClean="0"/>
-              <a:t>20</a:t>
+              <a:t>21</a:t>
             </a:fld>
             <a:endParaRPr lang="en-US"/>
           </a:p>
@@ -2242,7 +2244,7 @@
           <a:p>
             <a:fld id="{2BF067CD-8E6B-4360-9AA8-C5DF2A48A6D1}" type="slidenum">
               <a:rPr lang="en-US" smtClean="0"/>
-              <a:t>22</a:t>
+              <a:t>23</a:t>
             </a:fld>
             <a:endParaRPr lang="en-US"/>
           </a:p>
@@ -2326,7 +2328,7 @@
           <a:p>
             <a:fld id="{2BF067CD-8E6B-4360-9AA8-C5DF2A48A6D1}" type="slidenum">
               <a:rPr lang="en-US" smtClean="0"/>
-              <a:t>24</a:t>
+              <a:t>25</a:t>
             </a:fld>
             <a:endParaRPr lang="en-US"/>
           </a:p>
@@ -3472,7 +3474,7 @@
             <a:fld id="{055373AC-9AA7-423B-BA00-BA1C74164DBD}" type="datetime1">
               <a:rPr lang="en-US" smtClean="0"/>
               <a:pPr/>
-              <a:t>8/14/2023</a:t>
+              <a:t>3-Jan-24</a:t>
             </a:fld>
             <a:endParaRPr lang="en-US" dirty="0"/>
           </a:p>
@@ -4151,7 +4153,7 @@
             <a:fld id="{055373AC-9AA7-423B-BA00-BA1C74164DBD}" type="datetime1">
               <a:rPr lang="en-US" smtClean="0"/>
               <a:pPr/>
-              <a:t>8/14/2023</a:t>
+              <a:t>3-Jan-24</a:t>
             </a:fld>
             <a:endParaRPr lang="en-US" dirty="0"/>
           </a:p>
@@ -4910,7 +4912,7 @@
             <a:fld id="{055373AC-9AA7-423B-BA00-BA1C74164DBD}" type="datetime1">
               <a:rPr lang="en-US" smtClean="0"/>
               <a:pPr/>
-              <a:t>8/14/2023</a:t>
+              <a:t>3-Jan-24</a:t>
             </a:fld>
             <a:endParaRPr lang="en-US" dirty="0"/>
           </a:p>
@@ -5405,7 +5407,7 @@
             <a:fld id="{055373AC-9AA7-423B-BA00-BA1C74164DBD}" type="datetime1">
               <a:rPr lang="en-US" smtClean="0"/>
               <a:pPr/>
-              <a:t>8/14/2023</a:t>
+              <a:t>3-Jan-24</a:t>
             </a:fld>
             <a:endParaRPr lang="en-US" dirty="0"/>
           </a:p>
@@ -7515,7 +7517,7 @@
             <a:fld id="{055373AC-9AA7-423B-BA00-BA1C74164DBD}" type="datetime1">
               <a:rPr lang="en-US" smtClean="0"/>
               <a:pPr/>
-              <a:t>8/14/2023</a:t>
+              <a:t>3-Jan-24</a:t>
             </a:fld>
             <a:endParaRPr lang="en-US" dirty="0"/>
           </a:p>
@@ -8854,7 +8856,7 @@
             <a:fld id="{055373AC-9AA7-423B-BA00-BA1C74164DBD}" type="datetime1">
               <a:rPr lang="en-US" smtClean="0"/>
               <a:pPr/>
-              <a:t>8/14/2023</a:t>
+              <a:t>3-Jan-24</a:t>
             </a:fld>
             <a:endParaRPr lang="en-US" dirty="0"/>
           </a:p>
@@ -9934,7 +9936,7 @@
             <a:fld id="{055373AC-9AA7-423B-BA00-BA1C74164DBD}" type="datetime1">
               <a:rPr lang="en-US" smtClean="0"/>
               <a:pPr/>
-              <a:t>8/14/2023</a:t>
+              <a:t>3-Jan-24</a:t>
             </a:fld>
             <a:endParaRPr lang="en-US" dirty="0"/>
           </a:p>
@@ -10346,7 +10348,7 @@
             <a:fld id="{055373AC-9AA7-423B-BA00-BA1C74164DBD}" type="datetime1">
               <a:rPr lang="en-US" smtClean="0"/>
               <a:pPr/>
-              <a:t>8/14/2023</a:t>
+              <a:t>3-Jan-24</a:t>
             </a:fld>
             <a:endParaRPr lang="en-US" dirty="0"/>
           </a:p>
@@ -10716,7 +10718,7 @@
             <a:fld id="{055373AC-9AA7-423B-BA00-BA1C74164DBD}" type="datetime1">
               <a:rPr lang="en-US" smtClean="0"/>
               <a:pPr/>
-              <a:t>8/14/2023</a:t>
+              <a:t>3-Jan-24</a:t>
             </a:fld>
             <a:endParaRPr lang="en-US" dirty="0"/>
           </a:p>
@@ -11384,7 +11386,7 @@
             <a:fld id="{055373AC-9AA7-423B-BA00-BA1C74164DBD}" type="datetime1">
               <a:rPr lang="en-US" smtClean="0"/>
               <a:pPr/>
-              <a:t>8/14/2023</a:t>
+              <a:t>3-Jan-24</a:t>
             </a:fld>
             <a:endParaRPr lang="en-US" dirty="0"/>
           </a:p>
@@ -11592,7 +11594,7 @@
             <a:fld id="{055373AC-9AA7-423B-BA00-BA1C74164DBD}" type="datetime1">
               <a:rPr lang="en-US" smtClean="0"/>
               <a:pPr/>
-              <a:t>8/14/2023</a:t>
+              <a:t>3-Jan-24</a:t>
             </a:fld>
             <a:endParaRPr lang="en-US" dirty="0"/>
           </a:p>
@@ -12412,50 +12414,63 @@
             <p:ph type="body" sz="quarter" idx="10"/>
           </p:nvPr>
         </p:nvSpPr>
-        <p:spPr>
-          <a:xfrm>
-            <a:off x="2065510" y="1121144"/>
-            <a:ext cx="5900321" cy="5276048"/>
-          </a:xfrm>
-        </p:spPr>
+        <p:spPr/>
         <p:txBody>
           <a:bodyPr/>
           <a:lstStyle/>
           <a:p>
-            <a:pPr>
-              <a:buClr>
-                <a:schemeClr val="tx1"/>
-              </a:buClr>
-            </a:pPr>
+            <a:r>
+              <a:rPr lang="ru-RU" dirty="0"/>
+              <a:t>В </a:t>
+            </a:r>
             <a:r>
               <a:rPr lang="ru-RU" b="1" dirty="0">
                 <a:solidFill>
                   <a:schemeClr val="bg1"/>
                 </a:solidFill>
               </a:rPr>
-              <a:t>Блоковото поле </a:t>
+              <a:t>работното поле </a:t>
             </a:r>
             <a:r>
               <a:rPr lang="ru-RU" dirty="0"/>
-              <a:t>– списък с всички </a:t>
+              <a:t>се сглобяват </a:t>
             </a:r>
             <a:r>
               <a:rPr lang="ru-RU" b="1" dirty="0"/>
-              <a:t>кодови блокове </a:t>
-            </a:r>
+              <a:t>скриптове</a:t>
+            </a:r>
+            <a:endParaRPr lang="ru-RU" dirty="0"/>
+          </a:p>
+          <a:p>
             <a:r>
               <a:rPr lang="ru-RU" dirty="0"/>
-              <a:t>в</a:t>
+              <a:t>Достъп до </a:t>
+            </a:r>
+            <a:r>
+              <a:rPr lang="ru-RU" b="1" dirty="0">
+                <a:solidFill>
+                  <a:schemeClr val="bg1"/>
+                </a:solidFill>
+              </a:rPr>
+              <a:t>работното поле </a:t>
+            </a:r>
+            <a:r>
+              <a:rPr lang="ru-RU" dirty="0"/>
+              <a:t>имат </a:t>
             </a:r>
             <a:r>
               <a:rPr lang="ru-RU" b="1" dirty="0"/>
-              <a:t> </a:t>
-            </a:r>
-            <a:r>
-              <a:rPr lang="en-US" b="1" dirty="0"/>
-              <a:t>Scratch</a:t>
-            </a:r>
-            <a:endParaRPr lang="ru-RU" b="1" dirty="0"/>
+              <a:t>сцената</a:t>
+            </a:r>
+            <a:r>
+              <a:rPr lang="ru-RU" dirty="0"/>
+              <a:t>, както и </a:t>
+            </a:r>
+            <a:r>
+              <a:rPr lang="ru-RU" b="1" dirty="0"/>
+              <a:t>спрайтовете</a:t>
+            </a:r>
+            <a:endParaRPr lang="en-US" dirty="0"/>
           </a:p>
         </p:txBody>
       </p:sp>
@@ -12476,7 +12491,7 @@
           <a:p>
             <a:r>
               <a:rPr lang="bg-BG" dirty="0"/>
-              <a:t>Блоково поле</a:t>
+              <a:t>Работно поле</a:t>
             </a:r>
             <a:endParaRPr lang="en-US" dirty="0"/>
           </a:p>
@@ -12501,6 +12516,311 @@
               <a:rPr lang="en-US" smtClean="0"/>
               <a:pPr/>
               <a:t>10</a:t>
+            </a:fld>
+            <a:endParaRPr lang="en-US" dirty="0"/>
+          </a:p>
+        </p:txBody>
+      </p:sp>
+      <p:pic>
+        <p:nvPicPr>
+          <p:cNvPr id="5" name="Picture 4"/>
+          <p:cNvPicPr>
+            <a:picLocks noChangeAspect="1"/>
+          </p:cNvPicPr>
+          <p:nvPr/>
+        </p:nvPicPr>
+        <p:blipFill>
+          <a:blip r:embed="rId2">
+            <a:extLst>
+              <a:ext uri="{28A0092B-C50C-407E-A947-70E740481C1C}">
+                <a14:useLocalDpi xmlns:a14="http://schemas.microsoft.com/office/drawing/2010/main" val="0"/>
+              </a:ext>
+            </a:extLst>
+          </a:blip>
+          <a:srcRect/>
+          <a:stretch/>
+        </p:blipFill>
+        <p:spPr>
+          <a:xfrm>
+            <a:off x="5433642" y="2718324"/>
+            <a:ext cx="5474186" cy="3816608"/>
+          </a:xfrm>
+          <a:prstGeom prst="rect">
+            <a:avLst/>
+          </a:prstGeom>
+          <a:ln>
+            <a:solidFill>
+              <a:schemeClr val="bg2">
+                <a:lumMod val="75000"/>
+              </a:schemeClr>
+            </a:solidFill>
+          </a:ln>
+        </p:spPr>
+      </p:pic>
+    </p:spTree>
+    <p:extLst>
+      <p:ext uri="{BB962C8B-B14F-4D97-AF65-F5344CB8AC3E}">
+        <p14:creationId xmlns:p14="http://schemas.microsoft.com/office/powerpoint/2010/main" val="3131606829"/>
+      </p:ext>
+    </p:extLst>
+  </p:cSld>
+  <p:clrMapOvr>
+    <a:masterClrMapping/>
+  </p:clrMapOvr>
+  <mc:AlternateContent xmlns:mc="http://schemas.openxmlformats.org/markup-compatibility/2006" xmlns:p14="http://schemas.microsoft.com/office/powerpoint/2010/main">
+    <mc:Choice Requires="p14">
+      <p:transition spd="slow" p14:dur="2000" advClick="0" advTm="5000"/>
+    </mc:Choice>
+    <mc:Fallback xmlns="">
+      <p:transition spd="slow" advClick="0" advTm="5000"/>
+    </mc:Fallback>
+  </mc:AlternateContent>
+  <p:timing>
+    <p:tnLst>
+      <p:par>
+        <p:cTn id="1" dur="indefinite" restart="never" nodeType="tmRoot">
+          <p:childTnLst>
+            <p:seq concurrent="1" nextAc="seek">
+              <p:cTn id="2" dur="indefinite" nodeType="mainSeq">
+                <p:childTnLst>
+                  <p:par>
+                    <p:cTn id="3" fill="hold">
+                      <p:stCondLst>
+                        <p:cond delay="indefinite"/>
+                      </p:stCondLst>
+                      <p:childTnLst>
+                        <p:par>
+                          <p:cTn id="4" fill="hold">
+                            <p:stCondLst>
+                              <p:cond delay="0"/>
+                            </p:stCondLst>
+                            <p:childTnLst>
+                              <p:par>
+                                <p:cTn id="5" presetID="1" presetClass="entr" presetSubtype="0" fill="hold" grpId="0" nodeType="clickEffect">
+                                  <p:stCondLst>
+                                    <p:cond delay="0"/>
+                                  </p:stCondLst>
+                                  <p:childTnLst>
+                                    <p:set>
+                                      <p:cBhvr>
+                                        <p:cTn id="6" dur="1" fill="hold">
+                                          <p:stCondLst>
+                                            <p:cond delay="0"/>
+                                          </p:stCondLst>
+                                        </p:cTn>
+                                        <p:tgtEl>
+                                          <p:spTgt spid="2">
+                                            <p:txEl>
+                                              <p:pRg st="1" end="1"/>
+                                            </p:txEl>
+                                          </p:spTgt>
+                                        </p:tgtEl>
+                                        <p:attrNameLst>
+                                          <p:attrName>style.visibility</p:attrName>
+                                        </p:attrNameLst>
+                                      </p:cBhvr>
+                                      <p:to>
+                                        <p:strVal val="visible"/>
+                                      </p:to>
+                                    </p:set>
+                                  </p:childTnLst>
+                                </p:cTn>
+                              </p:par>
+                            </p:childTnLst>
+                          </p:cTn>
+                        </p:par>
+                      </p:childTnLst>
+                    </p:cTn>
+                  </p:par>
+                  <p:par>
+                    <p:cTn id="7" fill="hold">
+                      <p:stCondLst>
+                        <p:cond delay="indefinite"/>
+                      </p:stCondLst>
+                      <p:childTnLst>
+                        <p:par>
+                          <p:cTn id="8" fill="hold">
+                            <p:stCondLst>
+                              <p:cond delay="0"/>
+                            </p:stCondLst>
+                            <p:childTnLst>
+                              <p:par>
+                                <p:cTn id="9" presetID="1" presetClass="entr" presetSubtype="0" fill="hold" nodeType="clickEffect">
+                                  <p:stCondLst>
+                                    <p:cond delay="0"/>
+                                  </p:stCondLst>
+                                  <p:childTnLst>
+                                    <p:set>
+                                      <p:cBhvr>
+                                        <p:cTn id="10" dur="1" fill="hold">
+                                          <p:stCondLst>
+                                            <p:cond delay="0"/>
+                                          </p:stCondLst>
+                                        </p:cTn>
+                                        <p:tgtEl>
+                                          <p:spTgt spid="5"/>
+                                        </p:tgtEl>
+                                        <p:attrNameLst>
+                                          <p:attrName>style.visibility</p:attrName>
+                                        </p:attrNameLst>
+                                      </p:cBhvr>
+                                      <p:to>
+                                        <p:strVal val="visible"/>
+                                      </p:to>
+                                    </p:set>
+                                  </p:childTnLst>
+                                </p:cTn>
+                              </p:par>
+                            </p:childTnLst>
+                          </p:cTn>
+                        </p:par>
+                      </p:childTnLst>
+                    </p:cTn>
+                  </p:par>
+                </p:childTnLst>
+              </p:cTn>
+              <p:prevCondLst>
+                <p:cond evt="onPrev" delay="0">
+                  <p:tgtEl>
+                    <p:sldTgt/>
+                  </p:tgtEl>
+                </p:cond>
+              </p:prevCondLst>
+              <p:nextCondLst>
+                <p:cond evt="onNext" delay="0">
+                  <p:tgtEl>
+                    <p:sldTgt/>
+                  </p:tgtEl>
+                </p:cond>
+              </p:nextCondLst>
+            </p:seq>
+          </p:childTnLst>
+        </p:cTn>
+      </p:par>
+    </p:tnLst>
+    <p:bldLst>
+      <p:bldP spid="2" grpId="0" uiExpand="1" build="p"/>
+    </p:bldLst>
+  </p:timing>
+</p:sld>
+</file>
+
+<file path=ppt/slides/slide11.xml><?xml version="1.0" encoding="utf-8"?>
+<p:sld xmlns:a="http://schemas.openxmlformats.org/drawingml/2006/main" xmlns:r="http://schemas.openxmlformats.org/officeDocument/2006/relationships" xmlns:p="http://schemas.openxmlformats.org/presentationml/2006/main">
+  <p:cSld>
+    <p:spTree>
+      <p:nvGrpSpPr>
+        <p:cNvPr id="1" name=""/>
+        <p:cNvGrpSpPr/>
+        <p:nvPr/>
+      </p:nvGrpSpPr>
+      <p:grpSpPr>
+        <a:xfrm>
+          <a:off x="0" y="0"/>
+          <a:ext cx="0" cy="0"/>
+          <a:chOff x="0" y="0"/>
+          <a:chExt cx="0" cy="0"/>
+        </a:xfrm>
+      </p:grpSpPr>
+      <p:sp>
+        <p:nvSpPr>
+          <p:cNvPr id="2" name="Text Placeholder 1"/>
+          <p:cNvSpPr>
+            <a:spLocks noGrp="1"/>
+          </p:cNvSpPr>
+          <p:nvPr>
+            <p:ph type="body" sz="quarter" idx="10"/>
+          </p:nvPr>
+        </p:nvSpPr>
+        <p:spPr>
+          <a:xfrm>
+            <a:off x="2065510" y="1121144"/>
+            <a:ext cx="5900321" cy="5276048"/>
+          </a:xfrm>
+        </p:spPr>
+        <p:txBody>
+          <a:bodyPr/>
+          <a:lstStyle/>
+          <a:p>
+            <a:pPr>
+              <a:buClr>
+                <a:schemeClr val="tx1"/>
+              </a:buClr>
+            </a:pPr>
+            <a:r>
+              <a:rPr lang="ru-RU" b="1" dirty="0">
+                <a:solidFill>
+                  <a:schemeClr val="bg1"/>
+                </a:solidFill>
+              </a:rPr>
+              <a:t>Блоковото поле </a:t>
+            </a:r>
+            <a:r>
+              <a:rPr lang="ru-RU" dirty="0"/>
+              <a:t>– списък с всички </a:t>
+            </a:r>
+            <a:r>
+              <a:rPr lang="ru-RU" b="1" dirty="0"/>
+              <a:t>кодови блокове </a:t>
+            </a:r>
+            <a:r>
+              <a:rPr lang="ru-RU" dirty="0"/>
+              <a:t>в</a:t>
+            </a:r>
+            <a:r>
+              <a:rPr lang="ru-RU" b="1" dirty="0"/>
+              <a:t> </a:t>
+            </a:r>
+            <a:r>
+              <a:rPr lang="en-US" b="1" dirty="0"/>
+              <a:t>Scratch</a:t>
+            </a:r>
+            <a:endParaRPr lang="ru-RU" b="1" dirty="0"/>
+          </a:p>
+        </p:txBody>
+      </p:sp>
+      <p:sp>
+        <p:nvSpPr>
+          <p:cNvPr id="3" name="Title 2"/>
+          <p:cNvSpPr>
+            <a:spLocks noGrp="1"/>
+          </p:cNvSpPr>
+          <p:nvPr>
+            <p:ph type="title"/>
+          </p:nvPr>
+        </p:nvSpPr>
+        <p:spPr/>
+        <p:txBody>
+          <a:bodyPr/>
+          <a:lstStyle/>
+          <a:p>
+            <a:r>
+              <a:rPr lang="bg-BG" dirty="0"/>
+              <a:t>Блоково поле</a:t>
+            </a:r>
+            <a:endParaRPr lang="en-US" dirty="0"/>
+          </a:p>
+        </p:txBody>
+      </p:sp>
+      <p:sp>
+        <p:nvSpPr>
+          <p:cNvPr id="4" name="Slide Number Placeholder 3"/>
+          <p:cNvSpPr>
+            <a:spLocks noGrp="1"/>
+          </p:cNvSpPr>
+          <p:nvPr>
+            <p:ph type="sldNum" sz="quarter" idx="13"/>
+          </p:nvPr>
+        </p:nvSpPr>
+        <p:spPr/>
+        <p:txBody>
+          <a:bodyPr/>
+          <a:lstStyle/>
+          <a:p>
+            <a:fld id="{C014DD1E-5D91-48A3-AD6D-45FBA980D106}" type="slidenum">
+              <a:rPr lang="en-US" smtClean="0"/>
+              <a:pPr/>
+              <a:t>11</a:t>
             </a:fld>
             <a:endParaRPr lang="en-US" dirty="0"/>
           </a:p>
@@ -12639,7 +12959,7 @@
 </p:sld>
 </file>
 
-<file path=ppt/slides/slide11.xml><?xml version="1.0" encoding="utf-8"?>
+<file path=ppt/slides/slide12.xml><?xml version="1.0" encoding="utf-8"?>
 <p:sld xmlns:a="http://schemas.openxmlformats.org/drawingml/2006/main" xmlns:r="http://schemas.openxmlformats.org/officeDocument/2006/relationships" xmlns:p="http://schemas.openxmlformats.org/presentationml/2006/main">
   <p:cSld>
     <p:spTree>
@@ -12728,7 +13048,7 @@
             <a:fld id="{C014DD1E-5D91-48A3-AD6D-45FBA980D106}" type="slidenum">
               <a:rPr lang="en-US" smtClean="0"/>
               <a:pPr/>
-              <a:t>11</a:t>
+              <a:t>12</a:t>
             </a:fld>
             <a:endParaRPr lang="en-US" dirty="0"/>
           </a:p>
@@ -12785,7 +13105,7 @@
 </p:sld>
 </file>
 
-<file path=ppt/slides/slide12.xml><?xml version="1.0" encoding="utf-8"?>
+<file path=ppt/slides/slide13.xml><?xml version="1.0" encoding="utf-8"?>
 <p:sld xmlns:a="http://schemas.openxmlformats.org/drawingml/2006/main" xmlns:r="http://schemas.openxmlformats.org/officeDocument/2006/relationships" xmlns:p="http://schemas.openxmlformats.org/presentationml/2006/main">
   <p:cSld>
     <p:spTree>
@@ -13337,7 +13657,7 @@
 </p:sld>
 </file>
 
-<file path=ppt/slides/slide13.xml><?xml version="1.0" encoding="utf-8"?>
+<file path=ppt/slides/slide14.xml><?xml version="1.0" encoding="utf-8"?>
 <p:sld xmlns:a="http://schemas.openxmlformats.org/drawingml/2006/main" xmlns:r="http://schemas.openxmlformats.org/officeDocument/2006/relationships" xmlns:p="http://schemas.openxmlformats.org/presentationml/2006/main">
   <p:cSld>
     <p:spTree>
@@ -13488,7 +13808,7 @@
             <a:fld id="{C014DD1E-5D91-48A3-AD6D-45FBA980D106}" type="slidenum">
               <a:rPr lang="en-US" smtClean="0"/>
               <a:pPr/>
-              <a:t>13</a:t>
+              <a:t>14</a:t>
             </a:fld>
             <a:endParaRPr lang="en-US" dirty="0"/>
           </a:p>
@@ -13750,7 +14070,7 @@
 </p:sld>
 </file>
 
-<file path=ppt/slides/slide14.xml><?xml version="1.0" encoding="utf-8"?>
+<file path=ppt/slides/slide15.xml><?xml version="1.0" encoding="utf-8"?>
 <p:sld xmlns:a="http://schemas.openxmlformats.org/drawingml/2006/main" xmlns:r="http://schemas.openxmlformats.org/officeDocument/2006/relationships" xmlns:p="http://schemas.openxmlformats.org/presentationml/2006/main">
   <p:cSld>
     <p:spTree>
@@ -13948,7 +14268,7 @@
             <a:fld id="{C014DD1E-5D91-48A3-AD6D-45FBA980D106}" type="slidenum">
               <a:rPr lang="en-US" smtClean="0"/>
               <a:pPr/>
-              <a:t>14</a:t>
+              <a:t>15</a:t>
             </a:fld>
             <a:endParaRPr lang="en-US" dirty="0"/>
           </a:p>
@@ -14183,7 +14503,7 @@
 </p:sld>
 </file>
 
-<file path=ppt/slides/slide15.xml><?xml version="1.0" encoding="utf-8"?>
+<file path=ppt/slides/slide16.xml><?xml version="1.0" encoding="utf-8"?>
 <p:sld xmlns:a="http://schemas.openxmlformats.org/drawingml/2006/main" xmlns:r="http://schemas.openxmlformats.org/officeDocument/2006/relationships" xmlns:p="http://schemas.openxmlformats.org/presentationml/2006/main">
   <p:cSld>
     <p:spTree>
@@ -14241,7 +14561,7 @@
             <a:fld id="{C014DD1E-5D91-48A3-AD6D-45FBA980D106}" type="slidenum">
               <a:rPr lang="en-US" smtClean="0"/>
               <a:pPr/>
-              <a:t>15</a:t>
+              <a:t>16</a:t>
             </a:fld>
             <a:endParaRPr lang="en-US" dirty="0"/>
           </a:p>
@@ -14993,7 +15313,7 @@
 </p:sld>
 </file>
 
-<file path=ppt/slides/slide16.xml><?xml version="1.0" encoding="utf-8"?>
+<file path=ppt/slides/slide17.xml><?xml version="1.0" encoding="utf-8"?>
 <p:sld xmlns:a="http://schemas.openxmlformats.org/drawingml/2006/main" xmlns:r="http://schemas.openxmlformats.org/officeDocument/2006/relationships" xmlns:p="http://schemas.openxmlformats.org/presentationml/2006/main">
   <p:cSld>
     <p:spTree>
@@ -15198,7 +15518,7 @@
             <a:fld id="{C014DD1E-5D91-48A3-AD6D-45FBA980D106}" type="slidenum">
               <a:rPr lang="en-US" smtClean="0"/>
               <a:pPr/>
-              <a:t>16</a:t>
+              <a:t>17</a:t>
             </a:fld>
             <a:endParaRPr lang="en-US" dirty="0"/>
           </a:p>
@@ -15353,7 +15673,7 @@
 </p:sld>
 </file>
 
-<file path=ppt/slides/slide17.xml><?xml version="1.0" encoding="utf-8"?>
+<file path=ppt/slides/slide18.xml><?xml version="1.0" encoding="utf-8"?>
 <p:sld xmlns:a="http://schemas.openxmlformats.org/drawingml/2006/main" xmlns:r="http://schemas.openxmlformats.org/officeDocument/2006/relationships" xmlns:p="http://schemas.openxmlformats.org/presentationml/2006/main">
   <p:cSld>
     <p:spTree>
@@ -15424,7 +15744,7 @@
             <a:fld id="{C014DD1E-5D91-48A3-AD6D-45FBA980D106}" type="slidenum">
               <a:rPr lang="en-US" smtClean="0"/>
               <a:pPr/>
-              <a:t>17</a:t>
+              <a:t>18</a:t>
             </a:fld>
             <a:endParaRPr lang="en-US" dirty="0"/>
           </a:p>
@@ -15671,7 +15991,7 @@
 </p:sld>
 </file>
 
-<file path=ppt/slides/slide18.xml><?xml version="1.0" encoding="utf-8"?>
+<file path=ppt/slides/slide19.xml><?xml version="1.0" encoding="utf-8"?>
 <p:sld xmlns:a="http://schemas.openxmlformats.org/drawingml/2006/main" xmlns:r="http://schemas.openxmlformats.org/officeDocument/2006/relationships" xmlns:p="http://schemas.openxmlformats.org/presentationml/2006/main">
   <p:cSld>
     <p:spTree>
@@ -15734,7 +16054,7 @@
             <a:fld id="{C014DD1E-5D91-48A3-AD6D-45FBA980D106}" type="slidenum">
               <a:rPr lang="en-US" smtClean="0"/>
               <a:pPr/>
-              <a:t>18</a:t>
+              <a:t>19</a:t>
             </a:fld>
             <a:endParaRPr lang="en-US" dirty="0"/>
           </a:p>
@@ -15773,129 +16093,6 @@
     <p:extLst>
       <p:ext uri="{BB962C8B-B14F-4D97-AF65-F5344CB8AC3E}">
         <p14:creationId xmlns:p14="http://schemas.microsoft.com/office/powerpoint/2010/main" val="1303974273"/>
-      </p:ext>
-    </p:extLst>
-  </p:cSld>
-  <p:clrMapOvr>
-    <a:masterClrMapping/>
-  </p:clrMapOvr>
-  <mc:AlternateContent xmlns:mc="http://schemas.openxmlformats.org/markup-compatibility/2006" xmlns:p14="http://schemas.microsoft.com/office/powerpoint/2010/main">
-    <mc:Choice Requires="p14">
-      <p:transition spd="slow" p14:dur="2000" advClick="0" advTm="5000"/>
-    </mc:Choice>
-    <mc:Fallback xmlns="">
-      <p:transition spd="slow" advClick="0" advTm="5000"/>
-    </mc:Fallback>
-  </mc:AlternateContent>
-</p:sld>
-</file>
-
-<file path=ppt/slides/slide19.xml><?xml version="1.0" encoding="utf-8"?>
-<p:sld xmlns:a="http://schemas.openxmlformats.org/drawingml/2006/main" xmlns:r="http://schemas.openxmlformats.org/officeDocument/2006/relationships" xmlns:p="http://schemas.openxmlformats.org/presentationml/2006/main">
-  <p:cSld>
-    <p:spTree>
-      <p:nvGrpSpPr>
-        <p:cNvPr id="1" name=""/>
-        <p:cNvGrpSpPr/>
-        <p:nvPr/>
-      </p:nvGrpSpPr>
-      <p:grpSpPr>
-        <a:xfrm>
-          <a:off x="0" y="0"/>
-          <a:ext cx="0" cy="0"/>
-          <a:chOff x="0" y="0"/>
-          <a:chExt cx="0" cy="0"/>
-        </a:xfrm>
-      </p:grpSpPr>
-      <p:sp>
-        <p:nvSpPr>
-          <p:cNvPr id="5" name="Text Placeholder 4"/>
-          <p:cNvSpPr>
-            <a:spLocks noGrp="1"/>
-          </p:cNvSpPr>
-          <p:nvPr>
-            <p:ph type="body" sz="quarter" idx="10"/>
-          </p:nvPr>
-        </p:nvSpPr>
-        <p:spPr/>
-        <p:txBody>
-          <a:bodyPr>
-            <a:normAutofit/>
-          </a:bodyPr>
-          <a:lstStyle/>
-          <a:p>
-            <a:pPr>
-              <a:buClr>
-                <a:schemeClr val="tx1"/>
-              </a:buClr>
-            </a:pPr>
-            <a:r>
-              <a:rPr lang="ru-RU" sz="3200" b="1" dirty="0">
-                <a:solidFill>
-                  <a:schemeClr val="bg1"/>
-                </a:solidFill>
-              </a:rPr>
-              <a:t>Блоковете за движение </a:t>
-            </a:r>
-            <a:r>
-              <a:rPr lang="ru-RU" sz="3200" dirty="0"/>
-              <a:t>- блоковете, които управляват </a:t>
-            </a:r>
-            <a:r>
-              <a:rPr lang="ru-RU" sz="3200" b="1" dirty="0"/>
-              <a:t>движението</a:t>
-            </a:r>
-            <a:r>
-              <a:rPr lang="ru-RU" sz="3200" dirty="0"/>
-              <a:t> на даден </a:t>
-            </a:r>
-            <a:r>
-              <a:rPr lang="bg-BG" sz="3200" b="1" dirty="0"/>
-              <a:t>спрайт</a:t>
-            </a:r>
-            <a:r>
-              <a:rPr lang="ru-RU" sz="3200" dirty="0"/>
-              <a:t> (</a:t>
-            </a:r>
-            <a:r>
-              <a:rPr lang="ru-RU" sz="3200" b="1" dirty="0"/>
-              <a:t>герой</a:t>
-            </a:r>
-            <a:r>
-              <a:rPr lang="ru-RU" sz="3200" dirty="0"/>
-              <a:t>)</a:t>
-            </a:r>
-            <a:endParaRPr lang="en-US" sz="3200" dirty="0"/>
-          </a:p>
-        </p:txBody>
-      </p:sp>
-      <p:sp>
-        <p:nvSpPr>
-          <p:cNvPr id="4" name="Title 3"/>
-          <p:cNvSpPr>
-            <a:spLocks noGrp="1"/>
-          </p:cNvSpPr>
-          <p:nvPr>
-            <p:ph type="title"/>
-          </p:nvPr>
-        </p:nvSpPr>
-        <p:spPr/>
-        <p:txBody>
-          <a:bodyPr/>
-          <a:lstStyle/>
-          <a:p>
-            <a:r>
-              <a:rPr lang="bg-BG" dirty="0"/>
-              <a:t>Блокове за движение</a:t>
-            </a:r>
-            <a:endParaRPr lang="en-US" dirty="0"/>
-          </a:p>
-        </p:txBody>
-      </p:sp>
-    </p:spTree>
-    <p:extLst>
-      <p:ext uri="{BB962C8B-B14F-4D97-AF65-F5344CB8AC3E}">
-        <p14:creationId xmlns:p14="http://schemas.microsoft.com/office/powerpoint/2010/main" val="43990225"/>
       </p:ext>
     </p:extLst>
   </p:cSld>
@@ -16378,6 +16575,298 @@
       </p:grpSpPr>
       <p:sp>
         <p:nvSpPr>
+          <p:cNvPr id="5" name="Text Placeholder 4"/>
+          <p:cNvSpPr>
+            <a:spLocks noGrp="1"/>
+          </p:cNvSpPr>
+          <p:nvPr>
+            <p:ph type="body" sz="quarter" idx="10"/>
+          </p:nvPr>
+        </p:nvSpPr>
+        <p:spPr/>
+        <p:txBody>
+          <a:bodyPr>
+            <a:normAutofit/>
+          </a:bodyPr>
+          <a:lstStyle/>
+          <a:p>
+            <a:pPr>
+              <a:buClr>
+                <a:schemeClr val="tx1"/>
+              </a:buClr>
+            </a:pPr>
+            <a:r>
+              <a:rPr lang="ru-RU" sz="3200" b="1" dirty="0">
+                <a:solidFill>
+                  <a:schemeClr val="bg1"/>
+                </a:solidFill>
+              </a:rPr>
+              <a:t>Блоковете за движение </a:t>
+            </a:r>
+            <a:r>
+              <a:rPr lang="ru-RU" sz="3200" dirty="0"/>
+              <a:t>- блоковете, които управляват </a:t>
+            </a:r>
+            <a:r>
+              <a:rPr lang="ru-RU" sz="3200" b="1" dirty="0"/>
+              <a:t>движението</a:t>
+            </a:r>
+            <a:r>
+              <a:rPr lang="ru-RU" sz="3200" dirty="0"/>
+              <a:t> на даден </a:t>
+            </a:r>
+            <a:r>
+              <a:rPr lang="bg-BG" sz="3200" b="1" dirty="0"/>
+              <a:t>спрайт</a:t>
+            </a:r>
+            <a:r>
+              <a:rPr lang="ru-RU" sz="3200" dirty="0"/>
+              <a:t> (</a:t>
+            </a:r>
+            <a:r>
+              <a:rPr lang="ru-RU" sz="3200" b="1" dirty="0"/>
+              <a:t>герой</a:t>
+            </a:r>
+            <a:r>
+              <a:rPr lang="ru-RU" sz="3200" dirty="0"/>
+              <a:t>)</a:t>
+            </a:r>
+            <a:endParaRPr lang="en-US" sz="3200" dirty="0"/>
+          </a:p>
+        </p:txBody>
+      </p:sp>
+      <p:sp>
+        <p:nvSpPr>
+          <p:cNvPr id="4" name="Title 3"/>
+          <p:cNvSpPr>
+            <a:spLocks noGrp="1"/>
+          </p:cNvSpPr>
+          <p:nvPr>
+            <p:ph type="title"/>
+          </p:nvPr>
+        </p:nvSpPr>
+        <p:spPr/>
+        <p:txBody>
+          <a:bodyPr/>
+          <a:lstStyle/>
+          <a:p>
+            <a:r>
+              <a:rPr lang="bg-BG" dirty="0"/>
+              <a:t>Блокове за движение</a:t>
+            </a:r>
+            <a:endParaRPr lang="en-US" dirty="0"/>
+          </a:p>
+        </p:txBody>
+      </p:sp>
+      <p:grpSp>
+        <p:nvGrpSpPr>
+          <p:cNvPr id="7" name="Group 6">
+            <a:extLst>
+              <a:ext uri="{FF2B5EF4-FFF2-40B4-BE49-F238E27FC236}">
+                <a16:creationId xmlns:a16="http://schemas.microsoft.com/office/drawing/2014/main" id="{E5F421C5-3D52-9F1D-4F27-B022381ADAE0}"/>
+              </a:ext>
+            </a:extLst>
+          </p:cNvPr>
+          <p:cNvGrpSpPr>
+            <a:grpSpLocks noChangeAspect="1"/>
+          </p:cNvGrpSpPr>
+          <p:nvPr/>
+        </p:nvGrpSpPr>
+        <p:grpSpPr>
+          <a:xfrm>
+            <a:off x="1496815" y="3852906"/>
+            <a:ext cx="4000095" cy="1044050"/>
+            <a:chOff x="1864122" y="1749670"/>
+            <a:chExt cx="2875434" cy="750506"/>
+          </a:xfrm>
+        </p:grpSpPr>
+        <p:sp>
+          <p:nvSpPr>
+            <p:cNvPr id="8" name="Oval 7">
+              <a:extLst>
+                <a:ext uri="{FF2B5EF4-FFF2-40B4-BE49-F238E27FC236}">
+                  <a16:creationId xmlns:a16="http://schemas.microsoft.com/office/drawing/2014/main" id="{7DC12863-0F82-4279-2188-09E595D7AFBE}"/>
+                </a:ext>
+              </a:extLst>
+            </p:cNvPr>
+            <p:cNvSpPr/>
+            <p:nvPr/>
+          </p:nvSpPr>
+          <p:spPr bwMode="auto">
+            <a:xfrm>
+              <a:off x="3324267" y="1891659"/>
+              <a:ext cx="352425" cy="434769"/>
+            </a:xfrm>
+            <a:prstGeom prst="ellipse">
+              <a:avLst/>
+            </a:prstGeom>
+            <a:solidFill>
+              <a:srgbClr val="FFFFFF"/>
+            </a:solidFill>
+            <a:ln w="19050">
+              <a:noFill/>
+            </a:ln>
+            <a:effectLst/>
+          </p:spPr>
+          <p:style>
+            <a:lnRef idx="2">
+              <a:schemeClr val="accent1">
+                <a:shade val="50000"/>
+              </a:schemeClr>
+            </a:lnRef>
+            <a:fillRef idx="1001">
+              <a:schemeClr val="dk2"/>
+            </a:fillRef>
+            <a:effectRef idx="0">
+              <a:schemeClr val="accent1"/>
+            </a:effectRef>
+            <a:fontRef idx="minor">
+              <a:schemeClr val="lt1"/>
+            </a:fontRef>
+          </p:style>
+          <p:txBody>
+            <a:bodyPr rot="0" spcFirstLastPara="0" vertOverflow="overflow" horzOverflow="overflow" vert="horz" wrap="square" lIns="91440" tIns="45720" rIns="91440" bIns="45720" numCol="1" spcCol="0" rtlCol="0" fromWordArt="0" anchor="ctr" anchorCtr="0" forceAA="0" compatLnSpc="1">
+              <a:prstTxWarp prst="textNoShape">
+                <a:avLst/>
+              </a:prstTxWarp>
+              <a:noAutofit/>
+            </a:bodyPr>
+            <a:lstStyle/>
+            <a:p>
+              <a:pPr algn="ctr"/>
+              <a:endParaRPr lang="en-US" sz="4000" b="1" dirty="0">
+                <a:solidFill>
+                  <a:srgbClr val="FFFFFF"/>
+                </a:solidFill>
+                <a:effectLst>
+                  <a:outerShdw blurRad="38100" dist="38100" dir="2700000" algn="tl">
+                    <a:srgbClr val="000000">
+                      <a:alpha val="43137"/>
+                    </a:srgbClr>
+                  </a:outerShdw>
+                </a:effectLst>
+              </a:endParaRPr>
+            </a:p>
+          </p:txBody>
+        </p:sp>
+        <p:pic>
+          <p:nvPicPr>
+            <p:cNvPr id="9" name="Picture 8">
+              <a:extLst>
+                <a:ext uri="{FF2B5EF4-FFF2-40B4-BE49-F238E27FC236}">
+                  <a16:creationId xmlns:a16="http://schemas.microsoft.com/office/drawing/2014/main" id="{5C19E97E-4326-533E-6F57-284159D9279D}"/>
+                </a:ext>
+              </a:extLst>
+            </p:cNvPr>
+            <p:cNvPicPr>
+              <a:picLocks noChangeAspect="1"/>
+            </p:cNvPicPr>
+            <p:nvPr/>
+          </p:nvPicPr>
+          <p:blipFill>
+            <a:blip r:embed="rId3">
+              <a:extLst>
+                <a:ext uri="{28A0092B-C50C-407E-A947-70E740481C1C}">
+                  <a14:useLocalDpi xmlns:a14="http://schemas.microsoft.com/office/drawing/2010/main" val="0"/>
+                </a:ext>
+              </a:extLst>
+            </a:blip>
+            <a:stretch>
+              <a:fillRect/>
+            </a:stretch>
+          </p:blipFill>
+          <p:spPr>
+            <a:xfrm>
+              <a:off x="1864122" y="1749670"/>
+              <a:ext cx="2875434" cy="750506"/>
+            </a:xfrm>
+            <a:prstGeom prst="rect">
+              <a:avLst/>
+            </a:prstGeom>
+          </p:spPr>
+        </p:pic>
+      </p:grpSp>
+      <p:pic>
+        <p:nvPicPr>
+          <p:cNvPr id="11" name="Picture 10">
+            <a:extLst>
+              <a:ext uri="{FF2B5EF4-FFF2-40B4-BE49-F238E27FC236}">
+                <a16:creationId xmlns:a16="http://schemas.microsoft.com/office/drawing/2014/main" id="{2B121EB2-E7DF-DDEA-5859-5A128CDAD774}"/>
+              </a:ext>
+            </a:extLst>
+          </p:cNvPr>
+          <p:cNvPicPr>
+            <a:picLocks noChangeAspect="1"/>
+          </p:cNvPicPr>
+          <p:nvPr/>
+        </p:nvPicPr>
+        <p:blipFill>
+          <a:blip r:embed="rId4">
+            <a:clrChange>
+              <a:clrFrom>
+                <a:srgbClr val="FFFFFF"/>
+              </a:clrFrom>
+              <a:clrTo>
+                <a:srgbClr val="FFFFFF">
+                  <a:alpha val="0"/>
+                </a:srgbClr>
+              </a:clrTo>
+            </a:clrChange>
+          </a:blip>
+          <a:stretch>
+            <a:fillRect/>
+          </a:stretch>
+        </p:blipFill>
+        <p:spPr>
+          <a:xfrm>
+            <a:off x="7209647" y="2875185"/>
+            <a:ext cx="3090940" cy="2999492"/>
+          </a:xfrm>
+          <a:prstGeom prst="rect">
+            <a:avLst/>
+          </a:prstGeom>
+        </p:spPr>
+      </p:pic>
+    </p:spTree>
+    <p:extLst>
+      <p:ext uri="{BB962C8B-B14F-4D97-AF65-F5344CB8AC3E}">
+        <p14:creationId xmlns:p14="http://schemas.microsoft.com/office/powerpoint/2010/main" val="43990225"/>
+      </p:ext>
+    </p:extLst>
+  </p:cSld>
+  <p:clrMapOvr>
+    <a:masterClrMapping/>
+  </p:clrMapOvr>
+  <mc:AlternateContent xmlns:mc="http://schemas.openxmlformats.org/markup-compatibility/2006" xmlns:p14="http://schemas.microsoft.com/office/powerpoint/2010/main">
+    <mc:Choice Requires="p14">
+      <p:transition spd="slow" p14:dur="2000" advClick="0" advTm="5000"/>
+    </mc:Choice>
+    <mc:Fallback xmlns="">
+      <p:transition spd="slow" advClick="0" advTm="5000"/>
+    </mc:Fallback>
+  </mc:AlternateContent>
+</p:sld>
+</file>
+
+<file path=ppt/slides/slide21.xml><?xml version="1.0" encoding="utf-8"?>
+<p:sld xmlns:a="http://schemas.openxmlformats.org/drawingml/2006/main" xmlns:r="http://schemas.openxmlformats.org/officeDocument/2006/relationships" xmlns:p="http://schemas.openxmlformats.org/presentationml/2006/main">
+  <p:cSld>
+    <p:spTree>
+      <p:nvGrpSpPr>
+        <p:cNvPr id="1" name=""/>
+        <p:cNvGrpSpPr/>
+        <p:nvPr/>
+      </p:nvGrpSpPr>
+      <p:grpSpPr>
+        <a:xfrm>
+          <a:off x="0" y="0"/>
+          <a:ext cx="0" cy="0"/>
+          <a:chOff x="0" y="0"/>
+          <a:chExt cx="0" cy="0"/>
+        </a:xfrm>
+      </p:grpSpPr>
+      <p:sp>
+        <p:nvSpPr>
           <p:cNvPr id="3" name="Title 2"/>
           <p:cNvSpPr>
             <a:spLocks noGrp="1"/>
@@ -16417,7 +16906,7 @@
             <a:fld id="{C014DD1E-5D91-48A3-AD6D-45FBA980D106}" type="slidenum">
               <a:rPr lang="en-US" smtClean="0"/>
               <a:pPr/>
-              <a:t>20</a:t>
+              <a:t>21</a:t>
             </a:fld>
             <a:endParaRPr lang="en-US" dirty="0"/>
           </a:p>
@@ -17977,7 +18466,7 @@
 </p:sld>
 </file>
 
-<file path=ppt/slides/slide21.xml><?xml version="1.0" encoding="utf-8"?>
+<file path=ppt/slides/slide22.xml><?xml version="1.0" encoding="utf-8"?>
 <p:sld xmlns:a="http://schemas.openxmlformats.org/drawingml/2006/main" xmlns:r="http://schemas.openxmlformats.org/officeDocument/2006/relationships" xmlns:p="http://schemas.openxmlformats.org/presentationml/2006/main">
   <p:cSld>
     <p:spTree>
@@ -18075,9 +18564,102 @@
             <a:fld id="{C014DD1E-5D91-48A3-AD6D-45FBA980D106}" type="slidenum">
               <a:rPr lang="en-US" smtClean="0"/>
               <a:pPr/>
-              <a:t>21</a:t>
+              <a:t>22</a:t>
             </a:fld>
             <a:endParaRPr lang="en-US" dirty="0"/>
+          </a:p>
+        </p:txBody>
+      </p:sp>
+      <p:sp>
+        <p:nvSpPr>
+          <p:cNvPr id="5" name="Rectangle: Rounded Corners 4">
+            <a:extLst>
+              <a:ext uri="{FF2B5EF4-FFF2-40B4-BE49-F238E27FC236}">
+                <a16:creationId xmlns:a16="http://schemas.microsoft.com/office/drawing/2014/main" id="{A9E08183-66F2-D558-3860-F776AE9496A6}"/>
+              </a:ext>
+            </a:extLst>
+          </p:cNvPr>
+          <p:cNvSpPr/>
+          <p:nvPr/>
+        </p:nvSpPr>
+        <p:spPr bwMode="auto">
+          <a:xfrm>
+            <a:off x="3415863" y="3292366"/>
+            <a:ext cx="3405351" cy="1920766"/>
+          </a:xfrm>
+          <a:prstGeom prst="roundRect">
+            <a:avLst/>
+          </a:prstGeom>
+          <a:ln/>
+        </p:spPr>
+        <p:style>
+          <a:lnRef idx="2">
+            <a:schemeClr val="accent4">
+              <a:shade val="15000"/>
+            </a:schemeClr>
+          </a:lnRef>
+          <a:fillRef idx="1">
+            <a:schemeClr val="accent4"/>
+          </a:fillRef>
+          <a:effectRef idx="0">
+            <a:schemeClr val="accent4"/>
+          </a:effectRef>
+          <a:fontRef idx="minor">
+            <a:schemeClr val="lt1"/>
+          </a:fontRef>
+        </p:style>
+        <p:txBody>
+          <a:bodyPr rot="0" spcFirstLastPara="0" vertOverflow="overflow" horzOverflow="overflow" vert="horz" wrap="square" lIns="91440" tIns="45720" rIns="91440" bIns="45720" numCol="1" spcCol="0" rtlCol="0" fromWordArt="0" anchor="ctr" anchorCtr="0" forceAA="0" compatLnSpc="1">
+            <a:prstTxWarp prst="textNoShape">
+              <a:avLst/>
+            </a:prstTxWarp>
+            <a:noAutofit/>
+          </a:bodyPr>
+          <a:lstStyle/>
+          <a:p>
+            <a:pPr algn="ctr"/>
+            <a:r>
+              <a:rPr lang="en-US" sz="2800" b="1" dirty="0">
+                <a:solidFill>
+                  <a:srgbClr val="FFFFFF"/>
+                </a:solidFill>
+                <a:effectLst>
+                  <a:outerShdw blurRad="38100" dist="38100" dir="2700000" algn="tl">
+                    <a:srgbClr val="000000">
+                      <a:alpha val="43137"/>
+                    </a:srgbClr>
+                  </a:outerShdw>
+                </a:effectLst>
+              </a:rPr>
+              <a:t>TODO: </a:t>
+            </a:r>
+            <a:r>
+              <a:rPr lang="bg-BG" sz="2800" b="1" dirty="0">
+                <a:solidFill>
+                  <a:srgbClr val="FFFFFF"/>
+                </a:solidFill>
+                <a:effectLst>
+                  <a:outerShdw blurRad="38100" dist="38100" dir="2700000" algn="tl">
+                    <a:srgbClr val="000000">
+                      <a:alpha val="43137"/>
+                    </a:srgbClr>
+                  </a:outerShdw>
+                </a:effectLst>
+              </a:rPr>
+              <a:t>много празно стои тука</a:t>
+            </a:r>
+            <a:endParaRPr lang="en-US" sz="2800" b="1" dirty="0">
+              <a:solidFill>
+                <a:srgbClr val="FFFFFF"/>
+              </a:solidFill>
+              <a:effectLst>
+                <a:outerShdw blurRad="38100" dist="38100" dir="2700000" algn="tl">
+                  <a:srgbClr val="000000">
+                    <a:alpha val="43137"/>
+                  </a:srgbClr>
+                </a:outerShdw>
+              </a:effectLst>
+            </a:endParaRPr>
           </a:p>
         </p:txBody>
       </p:sp>
@@ -18099,17 +18681,10 @@
       <p:transition spd="slow" advClick="0" advTm="5000"/>
     </mc:Fallback>
   </mc:AlternateContent>
-  <p:timing>
-    <p:tnLst>
-      <p:par>
-        <p:cTn id="1" dur="indefinite" restart="never" nodeType="tmRoot"/>
-      </p:par>
-    </p:tnLst>
-  </p:timing>
 </p:sld>
 </file>
 
-<file path=ppt/slides/slide22.xml><?xml version="1.0" encoding="utf-8"?>
+<file path=ppt/slides/slide23.xml><?xml version="1.0" encoding="utf-8"?>
 <p:sld xmlns:a="http://schemas.openxmlformats.org/drawingml/2006/main" xmlns:r="http://schemas.openxmlformats.org/officeDocument/2006/relationships" xmlns:p="http://schemas.openxmlformats.org/presentationml/2006/main">
   <p:cSld>
     <p:spTree>
@@ -18167,7 +18742,7 @@
             <a:fld id="{C014DD1E-5D91-48A3-AD6D-45FBA980D106}" type="slidenum">
               <a:rPr lang="en-US" smtClean="0"/>
               <a:pPr/>
-              <a:t>22</a:t>
+              <a:t>23</a:t>
             </a:fld>
             <a:endParaRPr lang="en-US" dirty="0"/>
           </a:p>
@@ -19075,7 +19650,7 @@
 </p:sld>
 </file>
 
-<file path=ppt/slides/slide23.xml><?xml version="1.0" encoding="utf-8"?>
+<file path=ppt/slides/slide24.xml><?xml version="1.0" encoding="utf-8"?>
 <p:sld xmlns:a="http://schemas.openxmlformats.org/drawingml/2006/main" xmlns:r="http://schemas.openxmlformats.org/officeDocument/2006/relationships" xmlns:p="http://schemas.openxmlformats.org/presentationml/2006/main">
   <p:cSld>
     <p:spTree>
@@ -19173,9 +19748,102 @@
             <a:fld id="{C014DD1E-5D91-48A3-AD6D-45FBA980D106}" type="slidenum">
               <a:rPr lang="en-US" smtClean="0"/>
               <a:pPr/>
-              <a:t>23</a:t>
+              <a:t>24</a:t>
             </a:fld>
             <a:endParaRPr lang="en-US" dirty="0"/>
+          </a:p>
+        </p:txBody>
+      </p:sp>
+      <p:sp>
+        <p:nvSpPr>
+          <p:cNvPr id="5" name="Rectangle: Rounded Corners 4">
+            <a:extLst>
+              <a:ext uri="{FF2B5EF4-FFF2-40B4-BE49-F238E27FC236}">
+                <a16:creationId xmlns:a16="http://schemas.microsoft.com/office/drawing/2014/main" id="{344D7B1F-812A-BD01-CB4A-CEA0226D56A6}"/>
+              </a:ext>
+            </a:extLst>
+          </p:cNvPr>
+          <p:cNvSpPr/>
+          <p:nvPr/>
+        </p:nvSpPr>
+        <p:spPr bwMode="auto">
+          <a:xfrm>
+            <a:off x="3415863" y="3292366"/>
+            <a:ext cx="3405351" cy="1920766"/>
+          </a:xfrm>
+          <a:prstGeom prst="roundRect">
+            <a:avLst/>
+          </a:prstGeom>
+          <a:ln/>
+        </p:spPr>
+        <p:style>
+          <a:lnRef idx="2">
+            <a:schemeClr val="accent4">
+              <a:shade val="15000"/>
+            </a:schemeClr>
+          </a:lnRef>
+          <a:fillRef idx="1">
+            <a:schemeClr val="accent4"/>
+          </a:fillRef>
+          <a:effectRef idx="0">
+            <a:schemeClr val="accent4"/>
+          </a:effectRef>
+          <a:fontRef idx="minor">
+            <a:schemeClr val="lt1"/>
+          </a:fontRef>
+        </p:style>
+        <p:txBody>
+          <a:bodyPr rot="0" spcFirstLastPara="0" vertOverflow="overflow" horzOverflow="overflow" vert="horz" wrap="square" lIns="91440" tIns="45720" rIns="91440" bIns="45720" numCol="1" spcCol="0" rtlCol="0" fromWordArt="0" anchor="ctr" anchorCtr="0" forceAA="0" compatLnSpc="1">
+            <a:prstTxWarp prst="textNoShape">
+              <a:avLst/>
+            </a:prstTxWarp>
+            <a:noAutofit/>
+          </a:bodyPr>
+          <a:lstStyle/>
+          <a:p>
+            <a:pPr algn="ctr"/>
+            <a:r>
+              <a:rPr lang="en-US" sz="2800" b="1" dirty="0">
+                <a:solidFill>
+                  <a:srgbClr val="FFFFFF"/>
+                </a:solidFill>
+                <a:effectLst>
+                  <a:outerShdw blurRad="38100" dist="38100" dir="2700000" algn="tl">
+                    <a:srgbClr val="000000">
+                      <a:alpha val="43137"/>
+                    </a:srgbClr>
+                  </a:outerShdw>
+                </a:effectLst>
+              </a:rPr>
+              <a:t>TODO: </a:t>
+            </a:r>
+            <a:r>
+              <a:rPr lang="bg-BG" sz="2800" b="1" dirty="0">
+                <a:solidFill>
+                  <a:srgbClr val="FFFFFF"/>
+                </a:solidFill>
+                <a:effectLst>
+                  <a:outerShdw blurRad="38100" dist="38100" dir="2700000" algn="tl">
+                    <a:srgbClr val="000000">
+                      <a:alpha val="43137"/>
+                    </a:srgbClr>
+                  </a:outerShdw>
+                </a:effectLst>
+              </a:rPr>
+              <a:t>много празно стои тука</a:t>
+            </a:r>
+            <a:endParaRPr lang="en-US" sz="2800" b="1" dirty="0">
+              <a:solidFill>
+                <a:srgbClr val="FFFFFF"/>
+              </a:solidFill>
+              <a:effectLst>
+                <a:outerShdw blurRad="38100" dist="38100" dir="2700000" algn="tl">
+                  <a:srgbClr val="000000">
+                    <a:alpha val="43137"/>
+                  </a:srgbClr>
+                </a:outerShdw>
+              </a:effectLst>
+            </a:endParaRPr>
           </a:p>
         </p:txBody>
       </p:sp>
@@ -19197,17 +19865,10 @@
       <p:transition spd="slow" advClick="0" advTm="5000"/>
     </mc:Fallback>
   </mc:AlternateContent>
-  <p:timing>
-    <p:tnLst>
-      <p:par>
-        <p:cTn id="1" dur="indefinite" restart="never" nodeType="tmRoot"/>
-      </p:par>
-    </p:tnLst>
-  </p:timing>
 </p:sld>
 </file>
 
-<file path=ppt/slides/slide24.xml><?xml version="1.0" encoding="utf-8"?>
+<file path=ppt/slides/slide25.xml><?xml version="1.0" encoding="utf-8"?>
 <p:sld xmlns:a="http://schemas.openxmlformats.org/drawingml/2006/main" xmlns:r="http://schemas.openxmlformats.org/officeDocument/2006/relationships" xmlns:p="http://schemas.openxmlformats.org/presentationml/2006/main">
   <p:cSld>
     <p:spTree>
@@ -19265,7 +19926,7 @@
             <a:fld id="{C014DD1E-5D91-48A3-AD6D-45FBA980D106}" type="slidenum">
               <a:rPr lang="en-US" smtClean="0"/>
               <a:pPr/>
-              <a:t>24</a:t>
+              <a:t>25</a:t>
             </a:fld>
             <a:endParaRPr lang="en-US" dirty="0"/>
           </a:p>
@@ -20166,7 +20827,7 @@
 </p:sld>
 </file>
 
-<file path=ppt/slides/slide25.xml><?xml version="1.0" encoding="utf-8"?>
+<file path=ppt/slides/slide26.xml><?xml version="1.0" encoding="utf-8"?>
 <p:sld xmlns:a="http://schemas.openxmlformats.org/drawingml/2006/main" xmlns:r="http://schemas.openxmlformats.org/officeDocument/2006/relationships" xmlns:p="http://schemas.openxmlformats.org/presentationml/2006/main">
   <p:cSld>
     <p:spTree>
@@ -20326,7 +20987,7 @@
             <a:fld id="{C014DD1E-5D91-48A3-AD6D-45FBA980D106}" type="slidenum">
               <a:rPr lang="en-US" smtClean="0"/>
               <a:pPr/>
-              <a:t>25</a:t>
+              <a:t>26</a:t>
             </a:fld>
             <a:endParaRPr lang="en-US" dirty="0"/>
           </a:p>
@@ -21531,7 +22192,7 @@
 </p:sld>
 </file>
 
-<file path=ppt/slides/slide26.xml><?xml version="1.0" encoding="utf-8"?>
+<file path=ppt/slides/slide27.xml><?xml version="1.0" encoding="utf-8"?>
 <p:sld xmlns:a="http://schemas.openxmlformats.org/drawingml/2006/main" xmlns:r="http://schemas.openxmlformats.org/officeDocument/2006/relationships" xmlns:p="http://schemas.openxmlformats.org/presentationml/2006/main">
   <p:cSld>
     <p:spTree>
@@ -21599,17 +22260,10 @@
       <p:transition spd="slow" advClick="0" advTm="5000"/>
     </mc:Fallback>
   </mc:AlternateContent>
-  <p:timing>
-    <p:tnLst>
-      <p:par>
-        <p:cTn id="1" dur="indefinite" restart="never" nodeType="tmRoot"/>
-      </p:par>
-    </p:tnLst>
-  </p:timing>
 </p:sld>
 </file>
 
-<file path=ppt/slides/slide27.xml><?xml version="1.0" encoding="utf-8"?>
+<file path=ppt/slides/slide28.xml><?xml version="1.0" encoding="utf-8"?>
 <p:sld xmlns:a="http://schemas.openxmlformats.org/drawingml/2006/main" xmlns:r="http://schemas.openxmlformats.org/officeDocument/2006/relationships" xmlns:p="http://schemas.openxmlformats.org/presentationml/2006/main">
   <p:cSld>
     <p:spTree>
@@ -21728,7 +22382,7 @@
             <a:fld id="{C014DD1E-5D91-48A3-AD6D-45FBA980D106}" type="slidenum">
               <a:rPr lang="en-US" smtClean="0"/>
               <a:pPr/>
-              <a:t>27</a:t>
+              <a:t>28</a:t>
             </a:fld>
             <a:endParaRPr lang="en-US" dirty="0"/>
           </a:p>
@@ -21804,13 +22458,6 @@
       <p:transition spd="slow" advClick="0" advTm="5000"/>
     </mc:Fallback>
   </mc:AlternateContent>
-  <p:timing>
-    <p:tnLst>
-      <p:par>
-        <p:cTn id="1" dur="indefinite" restart="never" nodeType="tmRoot"/>
-      </p:par>
-    </p:tnLst>
-  </p:timing>
 </p:sld>
 </file>
 
@@ -22047,20 +22694,12 @@
               <a:rPr lang="bg-BG" sz="3200" dirty="0"/>
               <a:t>Използва се предимно за </a:t>
             </a:r>
-            <a:r>
-              <a:rPr lang="en-US" sz="3200" dirty="0"/>
-              <a:t/>
-            </a:r>
             <a:br>
               <a:rPr lang="en-US" sz="3200" dirty="0"/>
             </a:br>
             <a:r>
               <a:rPr lang="bg-BG" sz="3200" dirty="0"/>
               <a:t>създаване на интерактивни </a:t>
-            </a:r>
-            <a:r>
-              <a:rPr lang="en-US" sz="3200" dirty="0"/>
-              <a:t/>
             </a:r>
             <a:br>
               <a:rPr lang="en-US" sz="3200" dirty="0"/>
@@ -22318,7 +22957,7 @@
         </p:nvSpPr>
         <p:spPr>
           <a:xfrm>
-            <a:off x="615108" y="5399906"/>
+            <a:off x="615108" y="5652151"/>
             <a:ext cx="10961783" cy="768084"/>
           </a:xfrm>
         </p:spPr>
@@ -22366,8 +23005,8 @@
         </p:blipFill>
         <p:spPr>
           <a:xfrm>
-            <a:off x="1659887" y="690010"/>
-            <a:ext cx="8872225" cy="4094162"/>
+            <a:off x="916233" y="588580"/>
+            <a:ext cx="10359534" cy="4780492"/>
           </a:xfrm>
           <a:prstGeom prst="rect">
             <a:avLst/>
@@ -22421,6 +23060,203 @@
       </p:grpSpPr>
       <p:sp>
         <p:nvSpPr>
+          <p:cNvPr id="2" name="Text Placeholder 1">
+            <a:extLst>
+              <a:ext uri="{FF2B5EF4-FFF2-40B4-BE49-F238E27FC236}">
+                <a16:creationId xmlns:a16="http://schemas.microsoft.com/office/drawing/2014/main" id="{6E735957-3360-1AE8-FD38-F29297C73BC2}"/>
+              </a:ext>
+            </a:extLst>
+          </p:cNvPr>
+          <p:cNvSpPr>
+            <a:spLocks noGrp="1"/>
+          </p:cNvSpPr>
+          <p:nvPr>
+            <p:ph type="body" sz="quarter" idx="10"/>
+          </p:nvPr>
+        </p:nvSpPr>
+        <p:spPr>
+          <a:xfrm>
+            <a:off x="190402" y="1196125"/>
+            <a:ext cx="3961184" cy="5201066"/>
+          </a:xfrm>
+        </p:spPr>
+        <p:txBody>
+          <a:bodyPr>
+            <a:normAutofit/>
+          </a:bodyPr>
+          <a:lstStyle/>
+          <a:p>
+            <a:r>
+              <a:rPr lang="bg-BG" sz="3400" dirty="0"/>
+              <a:t>Отворете</a:t>
+            </a:r>
+            <a:r>
+              <a:rPr lang="en-US" sz="3400" dirty="0"/>
+              <a:t> </a:t>
+            </a:r>
+            <a:r>
+              <a:rPr lang="bg-BG" sz="3400" dirty="0"/>
+              <a:t>сайта </a:t>
+            </a:r>
+            <a:r>
+              <a:rPr lang="en-US" sz="3400" b="1" dirty="0">
+                <a:hlinkClick r:id="rId2"/>
+              </a:rPr>
+              <a:t>scratch.mit.edu</a:t>
+            </a:r>
+            <a:endParaRPr lang="bg-BG" sz="3400" b="1" dirty="0"/>
+          </a:p>
+          <a:p>
+            <a:r>
+              <a:rPr lang="bg-BG" sz="3400" dirty="0"/>
+              <a:t>Натиснете бутона </a:t>
+            </a:r>
+            <a:r>
+              <a:rPr lang="en-US" sz="3400" b="1" dirty="0"/>
+              <a:t>[Start Creating]</a:t>
+            </a:r>
+          </a:p>
+        </p:txBody>
+      </p:sp>
+      <p:sp>
+        <p:nvSpPr>
+          <p:cNvPr id="3" name="Title 2">
+            <a:extLst>
+              <a:ext uri="{FF2B5EF4-FFF2-40B4-BE49-F238E27FC236}">
+                <a16:creationId xmlns:a16="http://schemas.microsoft.com/office/drawing/2014/main" id="{90EA6A6D-06D4-6B0B-942A-44FBB81E1B2E}"/>
+              </a:ext>
+            </a:extLst>
+          </p:cNvPr>
+          <p:cNvSpPr>
+            <a:spLocks noGrp="1"/>
+          </p:cNvSpPr>
+          <p:nvPr>
+            <p:ph type="title"/>
+          </p:nvPr>
+        </p:nvSpPr>
+        <p:spPr/>
+        <p:txBody>
+          <a:bodyPr/>
+          <a:lstStyle/>
+          <a:p>
+            <a:r>
+              <a:rPr lang="bg-BG" dirty="0"/>
+              <a:t>Стартиране на </a:t>
+            </a:r>
+            <a:r>
+              <a:rPr lang="en-US" dirty="0"/>
+              <a:t>Scratch</a:t>
+            </a:r>
+          </a:p>
+        </p:txBody>
+      </p:sp>
+      <p:sp>
+        <p:nvSpPr>
+          <p:cNvPr id="4" name="Slide Number Placeholder 3">
+            <a:extLst>
+              <a:ext uri="{FF2B5EF4-FFF2-40B4-BE49-F238E27FC236}">
+                <a16:creationId xmlns:a16="http://schemas.microsoft.com/office/drawing/2014/main" id="{2948B5B3-BC5B-C41D-1C6D-20ADB4FAE945}"/>
+              </a:ext>
+            </a:extLst>
+          </p:cNvPr>
+          <p:cNvSpPr>
+            <a:spLocks noGrp="1"/>
+          </p:cNvSpPr>
+          <p:nvPr>
+            <p:ph type="sldNum" sz="quarter" idx="13"/>
+          </p:nvPr>
+        </p:nvSpPr>
+        <p:spPr/>
+        <p:txBody>
+          <a:bodyPr/>
+          <a:lstStyle/>
+          <a:p>
+            <a:fld id="{C014DD1E-5D91-48A3-AD6D-45FBA980D106}" type="slidenum">
+              <a:rPr lang="en-US" smtClean="0"/>
+              <a:pPr/>
+              <a:t>6</a:t>
+            </a:fld>
+            <a:endParaRPr lang="en-US" dirty="0"/>
+          </a:p>
+        </p:txBody>
+      </p:sp>
+      <p:pic>
+        <p:nvPicPr>
+          <p:cNvPr id="8" name="Picture 7">
+            <a:extLst>
+              <a:ext uri="{FF2B5EF4-FFF2-40B4-BE49-F238E27FC236}">
+                <a16:creationId xmlns:a16="http://schemas.microsoft.com/office/drawing/2014/main" id="{755E5FA3-3C87-DF7C-0212-33DBE71E64DD}"/>
+              </a:ext>
+            </a:extLst>
+          </p:cNvPr>
+          <p:cNvPicPr>
+            <a:picLocks noChangeAspect="1"/>
+          </p:cNvPicPr>
+          <p:nvPr/>
+        </p:nvPicPr>
+        <p:blipFill>
+          <a:blip r:embed="rId3"/>
+          <a:stretch>
+            <a:fillRect/>
+          </a:stretch>
+        </p:blipFill>
+        <p:spPr>
+          <a:xfrm>
+            <a:off x="4259170" y="1468220"/>
+            <a:ext cx="7562492" cy="5083398"/>
+          </a:xfrm>
+          <a:prstGeom prst="rect">
+            <a:avLst/>
+          </a:prstGeom>
+          <a:ln>
+            <a:solidFill>
+              <a:schemeClr val="bg2">
+                <a:lumMod val="75000"/>
+              </a:schemeClr>
+            </a:solidFill>
+          </a:ln>
+        </p:spPr>
+      </p:pic>
+    </p:spTree>
+    <p:extLst>
+      <p:ext uri="{BB962C8B-B14F-4D97-AF65-F5344CB8AC3E}">
+        <p14:creationId xmlns:p14="http://schemas.microsoft.com/office/powerpoint/2010/main" val="780277649"/>
+      </p:ext>
+    </p:extLst>
+  </p:cSld>
+  <p:clrMapOvr>
+    <a:masterClrMapping/>
+  </p:clrMapOvr>
+  <mc:AlternateContent xmlns:mc="http://schemas.openxmlformats.org/markup-compatibility/2006" xmlns:p14="http://schemas.microsoft.com/office/powerpoint/2010/main">
+    <mc:Choice Requires="p14">
+      <p:transition spd="slow" p14:dur="2000" advClick="0" advTm="5000"/>
+    </mc:Choice>
+    <mc:Fallback xmlns="">
+      <p:transition spd="slow" advClick="0" advTm="5000"/>
+    </mc:Fallback>
+  </mc:AlternateContent>
+</p:sld>
+</file>
+
+<file path=ppt/slides/slide7.xml><?xml version="1.0" encoding="utf-8"?>
+<p:sld xmlns:a="http://schemas.openxmlformats.org/drawingml/2006/main" xmlns:r="http://schemas.openxmlformats.org/officeDocument/2006/relationships" xmlns:p="http://schemas.openxmlformats.org/presentationml/2006/main">
+  <p:cSld>
+    <p:spTree>
+      <p:nvGrpSpPr>
+        <p:cNvPr id="1" name=""/>
+        <p:cNvGrpSpPr/>
+        <p:nvPr/>
+      </p:nvGrpSpPr>
+      <p:grpSpPr>
+        <a:xfrm>
+          <a:off x="0" y="0"/>
+          <a:ext cx="0" cy="0"/>
+          <a:chOff x="0" y="0"/>
+          <a:chExt cx="0" cy="0"/>
+        </a:xfrm>
+      </p:grpSpPr>
+      <p:sp>
+        <p:nvSpPr>
           <p:cNvPr id="5" name="Title 4">
             <a:extLst>
               <a:ext uri="{FF2B5EF4-FFF2-40B4-BE49-F238E27FC236}">
@@ -22473,7 +23309,7 @@
             <a:fld id="{C014DD1E-5D91-48A3-AD6D-45FBA980D106}" type="slidenum">
               <a:rPr lang="en-US" smtClean="0"/>
               <a:pPr/>
-              <a:t>6</a:t>
+              <a:t>7</a:t>
             </a:fld>
             <a:endParaRPr lang="en-US" dirty="0"/>
           </a:p>
@@ -23693,7 +24529,7 @@
 </p:sld>
 </file>
 
-<file path=ppt/slides/slide7.xml><?xml version="1.0" encoding="utf-8"?>
+<file path=ppt/slides/slide8.xml><?xml version="1.0" encoding="utf-8"?>
 <p:sld xmlns:a="http://schemas.openxmlformats.org/drawingml/2006/main" xmlns:r="http://schemas.openxmlformats.org/officeDocument/2006/relationships" xmlns:p="http://schemas.openxmlformats.org/presentationml/2006/main">
   <p:cSld>
     <p:spTree>
@@ -23820,7 +24656,7 @@
             <a:fld id="{C014DD1E-5D91-48A3-AD6D-45FBA980D106}" type="slidenum">
               <a:rPr lang="en-US" smtClean="0"/>
               <a:pPr/>
-              <a:t>7</a:t>
+              <a:t>8</a:t>
             </a:fld>
             <a:endParaRPr lang="en-US" dirty="0"/>
           </a:p>
@@ -23867,254 +24703,6 @@
     <p:extLst>
       <p:ext uri="{BB962C8B-B14F-4D97-AF65-F5344CB8AC3E}">
         <p14:creationId xmlns:p14="http://schemas.microsoft.com/office/powerpoint/2010/main" val="2190350953"/>
-      </p:ext>
-    </p:extLst>
-  </p:cSld>
-  <p:clrMapOvr>
-    <a:masterClrMapping/>
-  </p:clrMapOvr>
-  <mc:AlternateContent xmlns:mc="http://schemas.openxmlformats.org/markup-compatibility/2006" xmlns:p14="http://schemas.microsoft.com/office/powerpoint/2010/main">
-    <mc:Choice Requires="p14">
-      <p:transition spd="slow" p14:dur="2000" advClick="0" advTm="5000"/>
-    </mc:Choice>
-    <mc:Fallback xmlns="">
-      <p:transition spd="slow" advClick="0" advTm="5000"/>
-    </mc:Fallback>
-  </mc:AlternateContent>
-  <p:timing>
-    <p:tnLst>
-      <p:par>
-        <p:cTn id="1" dur="indefinite" restart="never" nodeType="tmRoot">
-          <p:childTnLst>
-            <p:seq concurrent="1" nextAc="seek">
-              <p:cTn id="2" dur="indefinite" nodeType="mainSeq">
-                <p:childTnLst>
-                  <p:par>
-                    <p:cTn id="3" fill="hold">
-                      <p:stCondLst>
-                        <p:cond delay="indefinite"/>
-                      </p:stCondLst>
-                      <p:childTnLst>
-                        <p:par>
-                          <p:cTn id="4" fill="hold">
-                            <p:stCondLst>
-                              <p:cond delay="0"/>
-                            </p:stCondLst>
-                            <p:childTnLst>
-                              <p:par>
-                                <p:cTn id="5" presetID="1" presetClass="entr" presetSubtype="0" fill="hold" nodeType="clickEffect">
-                                  <p:stCondLst>
-                                    <p:cond delay="0"/>
-                                  </p:stCondLst>
-                                  <p:childTnLst>
-                                    <p:set>
-                                      <p:cBhvr>
-                                        <p:cTn id="6" dur="1" fill="hold">
-                                          <p:stCondLst>
-                                            <p:cond delay="0"/>
-                                          </p:stCondLst>
-                                        </p:cTn>
-                                        <p:tgtEl>
-                                          <p:spTgt spid="5"/>
-                                        </p:tgtEl>
-                                        <p:attrNameLst>
-                                          <p:attrName>style.visibility</p:attrName>
-                                        </p:attrNameLst>
-                                      </p:cBhvr>
-                                      <p:to>
-                                        <p:strVal val="visible"/>
-                                      </p:to>
-                                    </p:set>
-                                  </p:childTnLst>
-                                </p:cTn>
-                              </p:par>
-                            </p:childTnLst>
-                          </p:cTn>
-                        </p:par>
-                      </p:childTnLst>
-                    </p:cTn>
-                  </p:par>
-                </p:childTnLst>
-              </p:cTn>
-              <p:prevCondLst>
-                <p:cond evt="onPrev" delay="0">
-                  <p:tgtEl>
-                    <p:sldTgt/>
-                  </p:tgtEl>
-                </p:cond>
-              </p:prevCondLst>
-              <p:nextCondLst>
-                <p:cond evt="onNext" delay="0">
-                  <p:tgtEl>
-                    <p:sldTgt/>
-                  </p:tgtEl>
-                </p:cond>
-              </p:nextCondLst>
-            </p:seq>
-          </p:childTnLst>
-        </p:cTn>
-      </p:par>
-    </p:tnLst>
-  </p:timing>
-</p:sld>
-</file>
-
-<file path=ppt/slides/slide8.xml><?xml version="1.0" encoding="utf-8"?>
-<p:sld xmlns:a="http://schemas.openxmlformats.org/drawingml/2006/main" xmlns:r="http://schemas.openxmlformats.org/officeDocument/2006/relationships" xmlns:p="http://schemas.openxmlformats.org/presentationml/2006/main">
-  <p:cSld>
-    <p:spTree>
-      <p:nvGrpSpPr>
-        <p:cNvPr id="1" name=""/>
-        <p:cNvGrpSpPr/>
-        <p:nvPr/>
-      </p:nvGrpSpPr>
-      <p:grpSpPr>
-        <a:xfrm>
-          <a:off x="0" y="0"/>
-          <a:ext cx="0" cy="0"/>
-          <a:chOff x="0" y="0"/>
-          <a:chExt cx="0" cy="0"/>
-        </a:xfrm>
-      </p:grpSpPr>
-      <p:sp>
-        <p:nvSpPr>
-          <p:cNvPr id="2" name="Text Placeholder 1"/>
-          <p:cNvSpPr>
-            <a:spLocks noGrp="1"/>
-          </p:cNvSpPr>
-          <p:nvPr>
-            <p:ph type="body" sz="quarter" idx="10"/>
-          </p:nvPr>
-        </p:nvSpPr>
-        <p:spPr/>
-        <p:txBody>
-          <a:bodyPr/>
-          <a:lstStyle/>
-          <a:p>
-            <a:pPr>
-              <a:buClr>
-                <a:schemeClr val="tx1"/>
-              </a:buClr>
-            </a:pPr>
-            <a:r>
-              <a:rPr lang="ru-RU" b="1" dirty="0">
-                <a:solidFill>
-                  <a:schemeClr val="bg1"/>
-                </a:solidFill>
-              </a:rPr>
-              <a:t>Панел със спрайтове </a:t>
-            </a:r>
-            <a:r>
-              <a:rPr lang="ru-RU" dirty="0"/>
-              <a:t>- списък с всички </a:t>
-            </a:r>
-            <a:r>
-              <a:rPr lang="ru-RU" b="1" dirty="0"/>
-              <a:t>спрайтове </a:t>
-            </a:r>
-            <a:r>
-              <a:rPr lang="ru-RU" dirty="0"/>
-              <a:t>(</a:t>
-            </a:r>
-            <a:r>
-              <a:rPr lang="ru-RU" b="1" dirty="0"/>
-              <a:t>герой</a:t>
-            </a:r>
-            <a:r>
-              <a:rPr lang="ru-RU" dirty="0"/>
-              <a:t>)</a:t>
-            </a:r>
-            <a:endParaRPr lang="en-US" dirty="0"/>
-          </a:p>
-        </p:txBody>
-      </p:sp>
-      <p:sp>
-        <p:nvSpPr>
-          <p:cNvPr id="3" name="Title 2"/>
-          <p:cNvSpPr>
-            <a:spLocks noGrp="1"/>
-          </p:cNvSpPr>
-          <p:nvPr>
-            <p:ph type="title"/>
-          </p:nvPr>
-        </p:nvSpPr>
-        <p:spPr/>
-        <p:txBody>
-          <a:bodyPr/>
-          <a:lstStyle/>
-          <a:p>
-            <a:r>
-              <a:rPr lang="bg-BG" dirty="0"/>
-              <a:t>Панел със спрайтове</a:t>
-            </a:r>
-            <a:endParaRPr lang="en-US" dirty="0"/>
-          </a:p>
-        </p:txBody>
-      </p:sp>
-      <p:sp>
-        <p:nvSpPr>
-          <p:cNvPr id="4" name="Slide Number Placeholder 3"/>
-          <p:cNvSpPr>
-            <a:spLocks noGrp="1"/>
-          </p:cNvSpPr>
-          <p:nvPr>
-            <p:ph type="sldNum" sz="quarter" idx="13"/>
-          </p:nvPr>
-        </p:nvSpPr>
-        <p:spPr/>
-        <p:txBody>
-          <a:bodyPr/>
-          <a:lstStyle/>
-          <a:p>
-            <a:fld id="{C014DD1E-5D91-48A3-AD6D-45FBA980D106}" type="slidenum">
-              <a:rPr lang="en-US" smtClean="0"/>
-              <a:pPr/>
-              <a:t>8</a:t>
-            </a:fld>
-            <a:endParaRPr lang="en-US" dirty="0"/>
-          </a:p>
-        </p:txBody>
-      </p:sp>
-      <p:pic>
-        <p:nvPicPr>
-          <p:cNvPr id="5" name="Picture 4"/>
-          <p:cNvPicPr>
-            <a:picLocks noChangeAspect="1"/>
-          </p:cNvPicPr>
-          <p:nvPr/>
-        </p:nvPicPr>
-        <p:blipFill>
-          <a:blip r:embed="rId3">
-            <a:extLst>
-              <a:ext uri="{28A0092B-C50C-407E-A947-70E740481C1C}">
-                <a14:useLocalDpi xmlns:a14="http://schemas.microsoft.com/office/drawing/2010/main" val="0"/>
-              </a:ext>
-            </a:extLst>
-          </a:blip>
-          <a:srcRect/>
-          <a:stretch/>
-        </p:blipFill>
-        <p:spPr>
-          <a:xfrm>
-            <a:off x="3600053" y="3369542"/>
-            <a:ext cx="4998793" cy="2216213"/>
-          </a:xfrm>
-          <a:prstGeom prst="rect">
-            <a:avLst/>
-          </a:prstGeom>
-          <a:ln>
-            <a:solidFill>
-              <a:schemeClr val="bg2">
-                <a:lumMod val="75000"/>
-              </a:schemeClr>
-            </a:solidFill>
-          </a:ln>
-        </p:spPr>
-      </p:pic>
-    </p:spTree>
-    <p:extLst>
-      <p:ext uri="{BB962C8B-B14F-4D97-AF65-F5344CB8AC3E}">
-        <p14:creationId xmlns:p14="http://schemas.microsoft.com/office/powerpoint/2010/main" val="4162728835"/>
       </p:ext>
     </p:extLst>
   </p:cSld>
@@ -24239,9 +24827,18 @@
           <a:bodyPr/>
           <a:lstStyle/>
           <a:p>
-            <a:r>
-              <a:rPr lang="ru-RU" dirty="0"/>
-              <a:t>В </a:t>
+            <a:pPr>
+              <a:buClr>
+                <a:schemeClr val="tx1"/>
+              </a:buClr>
+            </a:pPr>
+            <a:r>
+              <a:rPr lang="bg-BG" b="1" dirty="0">
+                <a:solidFill>
+                  <a:schemeClr val="bg1"/>
+                </a:solidFill>
+              </a:rPr>
+              <a:t>Панел</a:t>
             </a:r>
             <a:r>
               <a:rPr lang="ru-RU" b="1" dirty="0">
@@ -24249,22 +24846,23 @@
                   <a:schemeClr val="bg1"/>
                 </a:solidFill>
               </a:rPr>
-              <a:t>работното поле </a:t>
-            </a:r>
-            <a:r>
-              <a:rPr lang="ru-RU" dirty="0"/>
-              <a:t>се сглобяват </a:t>
-            </a:r>
-            <a:r>
-              <a:rPr lang="ru-RU" b="1" dirty="0"/>
-              <a:t>скриптове</a:t>
-            </a:r>
-            <a:endParaRPr lang="ru-RU" dirty="0"/>
-          </a:p>
-          <a:p>
-            <a:r>
-              <a:rPr lang="ru-RU" dirty="0"/>
-              <a:t>Достъп до </a:t>
+              <a:t> с</a:t>
+            </a:r>
+            <a:r>
+              <a:rPr lang="bg-BG" b="1" dirty="0">
+                <a:solidFill>
+                  <a:schemeClr val="bg1"/>
+                </a:solidFill>
+              </a:rPr>
+              <a:t> картинки (</a:t>
+            </a:r>
+            <a:r>
+              <a:rPr lang="ru-RU" b="1" dirty="0" err="1">
+                <a:solidFill>
+                  <a:schemeClr val="bg1"/>
+                </a:solidFill>
+              </a:rPr>
+              <a:t>спрайтове</a:t>
             </a:r>
             <a:r>
               <a:rPr lang="ru-RU" b="1" dirty="0">
@@ -24272,23 +24870,35 @@
                   <a:schemeClr val="bg1"/>
                 </a:solidFill>
               </a:rPr>
-              <a:t>работното поле </a:t>
+              <a:t>) </a:t>
             </a:r>
             <a:r>
               <a:rPr lang="ru-RU" dirty="0"/>
-              <a:t>имат </a:t>
+              <a:t>– </a:t>
+            </a:r>
+            <a:r>
+              <a:rPr lang="bg-BG" dirty="0"/>
+              <a:t>списък</a:t>
+            </a:r>
+            <a:r>
+              <a:rPr lang="ru-RU" dirty="0"/>
+              <a:t> с всички </a:t>
             </a:r>
             <a:r>
               <a:rPr lang="ru-RU" b="1" dirty="0"/>
-              <a:t>сцената</a:t>
+              <a:t>спрайтове </a:t>
             </a:r>
             <a:r>
               <a:rPr lang="ru-RU" dirty="0"/>
-              <a:t>, както и </a:t>
+              <a:t>(</a:t>
             </a:r>
             <a:r>
               <a:rPr lang="ru-RU" b="1" dirty="0"/>
-              <a:t>спрайтовете</a:t>
+              <a:t>герой</a:t>
+            </a:r>
+            <a:r>
+              <a:rPr lang="ru-RU" dirty="0"/>
+              <a:t>)</a:t>
             </a:r>
             <a:endParaRPr lang="en-US" dirty="0"/>
           </a:p>
@@ -24311,7 +24921,7 @@
           <a:p>
             <a:r>
               <a:rPr lang="bg-BG" dirty="0"/>
-              <a:t>Работно поле</a:t>
+              <a:t>Панел със спрайтове</a:t>
             </a:r>
             <a:endParaRPr lang="en-US" dirty="0"/>
           </a:p>
@@ -24350,7 +24960,7 @@
           <p:nvPr/>
         </p:nvPicPr>
         <p:blipFill>
-          <a:blip r:embed="rId2">
+          <a:blip r:embed="rId3">
             <a:extLst>
               <a:ext uri="{28A0092B-C50C-407E-A947-70E740481C1C}">
                 <a14:useLocalDpi xmlns:a14="http://schemas.microsoft.com/office/drawing/2010/main" val="0"/>
@@ -24362,8 +24972,8 @@
         </p:blipFill>
         <p:spPr>
           <a:xfrm>
-            <a:off x="3890382" y="3415003"/>
-            <a:ext cx="3820259" cy="2663488"/>
+            <a:off x="2906370" y="2642976"/>
+            <a:ext cx="8467846" cy="3754216"/>
           </a:xfrm>
           <a:prstGeom prst="rect">
             <a:avLst/>
@@ -24380,7 +24990,7 @@
     </p:spTree>
     <p:extLst>
       <p:ext uri="{BB962C8B-B14F-4D97-AF65-F5344CB8AC3E}">
-        <p14:creationId xmlns:p14="http://schemas.microsoft.com/office/powerpoint/2010/main" val="3131606829"/>
+        <p14:creationId xmlns:p14="http://schemas.microsoft.com/office/powerpoint/2010/main" val="4162728835"/>
       </p:ext>
     </p:extLst>
   </p:cSld>
@@ -24416,7 +25026,7 @@
                             </p:stCondLst>
                             <p:childTnLst>
                               <p:par>
-                                <p:cTn id="5" presetID="1" presetClass="entr" presetSubtype="0" fill="hold" grpId="0" nodeType="clickEffect">
+                                <p:cTn id="5" presetID="1" presetClass="entr" presetSubtype="0" fill="hold" nodeType="clickEffect">
                                   <p:stCondLst>
                                     <p:cond delay="0"/>
                                   </p:stCondLst>
@@ -24424,55 +25034,6 @@
                                     <p:set>
                                       <p:cBhvr>
                                         <p:cTn id="6" dur="1" fill="hold">
-                                          <p:stCondLst>
-                                            <p:cond delay="0"/>
-                                          </p:stCondLst>
-                                        </p:cTn>
-                                        <p:tgtEl>
-                                          <p:spTgt spid="2">
-                                            <p:txEl>
-                                              <p:pRg st="1" end="1"/>
-                                            </p:txEl>
-                                          </p:spTgt>
-                                        </p:tgtEl>
-                                        <p:attrNameLst>
-                                          <p:attrName>style.visibility</p:attrName>
-                                        </p:attrNameLst>
-                                      </p:cBhvr>
-                                      <p:to>
-                                        <p:strVal val="visible"/>
-                                      </p:to>
-                                    </p:set>
-                                  </p:childTnLst>
-                                </p:cTn>
-                              </p:par>
-                            </p:childTnLst>
-                          </p:cTn>
-                        </p:par>
-                      </p:childTnLst>
-                    </p:cTn>
-                  </p:par>
-                  <p:par>
-                    <p:cTn id="7" fill="hold">
-                      <p:stCondLst>
-                        <p:cond delay="indefinite"/>
-                      </p:stCondLst>
-                      <p:childTnLst>
-                        <p:par>
-                          <p:cTn id="8" fill="hold">
-                            <p:stCondLst>
-                              <p:cond delay="0"/>
-                            </p:stCondLst>
-                            <p:childTnLst>
-                              <p:par>
-                                <p:cTn id="9" presetID="1" presetClass="entr" presetSubtype="0" fill="hold" nodeType="clickEffect">
-                                  <p:stCondLst>
-                                    <p:cond delay="0"/>
-                                  </p:stCondLst>
-                                  <p:childTnLst>
-                                    <p:set>
-                                      <p:cBhvr>
-                                        <p:cTn id="10" dur="1" fill="hold">
                                           <p:stCondLst>
                                             <p:cond delay="0"/>
                                           </p:stCondLst>
@@ -24518,9 +25079,6 @@
         </p:cTn>
       </p:par>
     </p:tnLst>
-    <p:bldLst>
-      <p:bldP spid="2" grpId="0" uiExpand="1" build="p"/>
-    </p:bldLst>
   </p:timing>
 </p:sld>
 </file>

--- a/Courses/Computer-Modeling-and-IT/Computer-Modeling-and-IT-5-Class/16-Programming-in-Scratch/16-Programming-in-Scratch.pptx
+++ b/Courses/Computer-Modeling-and-IT/Computer-Modeling-and-IT-5-Class/16-Programming-in-Scratch/16-Programming-in-Scratch.pptx
@@ -309,7 +309,7 @@
           <a:p>
             <a:fld id="{4E087215-0C8F-4762-A664-737A353EC9A4}" type="datetimeFigureOut">
               <a:rPr lang="bg-BG" smtClean="0"/>
-              <a:t>19.2.2024 г.</a:t>
+              <a:t>23.2.2024 г.</a:t>
             </a:fld>
             <a:endParaRPr lang="bg-BG"/>
           </a:p>
@@ -505,7 +505,7 @@
           <a:p>
             <a:fld id="{72D84649-876A-46C9-8472-14CB09C070D8}" type="datetimeFigureOut">
               <a:rPr lang="en-US" smtClean="0"/>
-              <a:t>2/19/2024</a:t>
+              <a:t>2/23/2024</a:t>
             </a:fld>
             <a:endParaRPr lang="en-US"/>
           </a:p>
@@ -7820,7 +7820,6 @@
               <a:rPr lang="bg-BG" dirty="0"/>
               <a:t>Проект "Отворено учебно съдържание по програмиране и ИТ", СофтУни Фондация </a:t>
             </a:r>
-            <a:endParaRPr lang="bg-BG" dirty="0"/>
           </a:p>
         </p:txBody>
       </p:sp>
@@ -7950,6 +7949,36 @@
           </a:p>
         </p:txBody>
       </p:sp>
+      <p:pic>
+        <p:nvPicPr>
+          <p:cNvPr id="4" name="Picture 3"/>
+          <p:cNvPicPr>
+            <a:picLocks noChangeAspect="1"/>
+          </p:cNvPicPr>
+          <p:nvPr/>
+        </p:nvPicPr>
+        <p:blipFill>
+          <a:blip r:embed="rId5">
+            <a:extLst>
+              <a:ext uri="{28A0092B-C50C-407E-A947-70E740481C1C}">
+                <a14:useLocalDpi xmlns:a14="http://schemas.microsoft.com/office/drawing/2010/main" val="0"/>
+              </a:ext>
+            </a:extLst>
+          </a:blip>
+          <a:stretch>
+            <a:fillRect/>
+          </a:stretch>
+        </p:blipFill>
+        <p:spPr>
+          <a:xfrm>
+            <a:off x="534045" y="2954822"/>
+            <a:ext cx="1905552" cy="852806"/>
+          </a:xfrm>
+          <a:prstGeom prst="rect">
+            <a:avLst/>
+          </a:prstGeom>
+        </p:spPr>
+      </p:pic>
     </p:spTree>
     <p:extLst>
       <p:ext uri="{BB962C8B-B14F-4D97-AF65-F5344CB8AC3E}">
@@ -18903,7 +18932,7 @@
                 <a:hlinkClick r:id="rId3">
                   <a:extLst>
                     <a:ext uri="{A12FA001-AC4F-418D-AE19-62706E023703}">
-                      <ahyp:hlinkClr xmlns="" xmlns:ahyp="http://schemas.microsoft.com/office/drawing/2018/hyperlinkcolor" val="tx"/>
+                      <ahyp:hlinkClr xmlns:ahyp="http://schemas.microsoft.com/office/drawing/2018/hyperlinkcolor" xmlns="" val="tx"/>
                     </a:ext>
                   </a:extLst>
                 </a:hlinkClick>

--- a/Courses/Computer-Modeling-and-IT/Computer-Modeling-and-IT-5-Class/16-Programming-in-Scratch/16-Programming-in-Scratch.pptx
+++ b/Courses/Computer-Modeling-and-IT/Computer-Modeling-and-IT-5-Class/16-Programming-in-Scratch/16-Programming-in-Scratch.pptx
@@ -309,7 +309,7 @@
           <a:p>
             <a:fld id="{4E087215-0C8F-4762-A664-737A353EC9A4}" type="datetimeFigureOut">
               <a:rPr lang="bg-BG" smtClean="0"/>
-              <a:t>23.2.2024 г.</a:t>
+              <a:t>27.02.24 г.</a:t>
             </a:fld>
             <a:endParaRPr lang="bg-BG"/>
           </a:p>
@@ -505,7 +505,7 @@
           <a:p>
             <a:fld id="{72D84649-876A-46C9-8472-14CB09C070D8}" type="datetimeFigureOut">
               <a:rPr lang="en-US" smtClean="0"/>
-              <a:t>2/23/2024</a:t>
+              <a:t>2/27/24</a:t>
             </a:fld>
             <a:endParaRPr lang="en-US"/>
           </a:p>
@@ -8646,7 +8646,7 @@
           <a:lstStyle/>
           <a:p>
             <a:r>
-              <a:rPr lang="bg-BG" smtClean="0"/>
+              <a:rPr lang="bg-BG"/>
               <a:t>Основни понятия</a:t>
             </a:r>
             <a:endParaRPr lang="en-US"/>
@@ -8699,14 +8699,13 @@
           <a:lstStyle/>
           <a:p>
             <a:r>
-              <a:rPr lang="bg-BG" smtClean="0"/>
+              <a:rPr lang="bg-BG"/>
               <a:t>Главни елементи в </a:t>
             </a:r>
             <a:r>
-              <a:rPr lang="en-US" smtClean="0"/>
+              <a:rPr lang="en-US"/>
               <a:t>Scratch</a:t>
             </a:r>
-            <a:endParaRPr lang="en-US"/>
           </a:p>
         </p:txBody>
       </p:sp>
@@ -12048,7 +12047,7 @@
           <a:lstStyle/>
           <a:p>
             <a:r>
-              <a:rPr lang="bg-BG" smtClean="0"/>
+              <a:rPr lang="bg-BG"/>
               <a:t>Видове блокове</a:t>
             </a:r>
             <a:endParaRPr lang="en-US"/>
@@ -18932,7 +18931,7 @@
                 <a:hlinkClick r:id="rId3">
                   <a:extLst>
                     <a:ext uri="{A12FA001-AC4F-418D-AE19-62706E023703}">
-                      <ahyp:hlinkClr xmlns:ahyp="http://schemas.microsoft.com/office/drawing/2018/hyperlinkcolor" xmlns="" val="tx"/>
+                      <ahyp:hlinkClr xmlns:ahyp="http://schemas.microsoft.com/office/drawing/2018/hyperlinkcolor" val="tx"/>
                     </a:ext>
                   </a:extLst>
                 </a:hlinkClick>
@@ -19424,14 +19423,13 @@
           <a:lstStyle/>
           <a:p>
             <a:r>
-              <a:rPr lang="bg-BG" smtClean="0"/>
+              <a:rPr lang="bg-BG"/>
               <a:t>Какво е </a:t>
             </a:r>
             <a:r>
-              <a:rPr lang="en-US" smtClean="0"/>
+              <a:rPr lang="en-US"/>
               <a:t>Scratch?</a:t>
             </a:r>
-            <a:endParaRPr lang="en-US"/>
           </a:p>
         </p:txBody>
       </p:sp>
@@ -19481,7 +19479,7 @@
           <a:lstStyle/>
           <a:p>
             <a:r>
-              <a:rPr lang="bg-BG" smtClean="0"/>
+              <a:rPr lang="bg-BG"/>
               <a:t>Основи на програмния език </a:t>
             </a:r>
             <a:endParaRPr lang="en-US"/>
@@ -19506,13 +19504,6 @@
       <p:transition spd="slow" advClick="0" advTm="5000"/>
     </mc:Fallback>
   </mc:AlternateContent>
-  <p:timing>
-    <p:tnLst>
-      <p:par>
-        <p:cTn id="1" dur="indefinite" restart="never" nodeType="tmRoot"/>
-      </p:par>
-    </p:tnLst>
-  </p:timing>
 </p:sld>
 </file>
 
@@ -19618,20 +19609,12 @@
               <a:rPr lang="bg-BG" sz="3200" dirty="0"/>
               <a:t>Използва се предимно за </a:t>
             </a:r>
-            <a:r>
-              <a:rPr lang="en-US" sz="3200" dirty="0"/>
-              <a:t/>
-            </a:r>
             <a:br>
               <a:rPr lang="en-US" sz="3200" dirty="0"/>
             </a:br>
             <a:r>
               <a:rPr lang="bg-BG" sz="3200" dirty="0"/>
               <a:t>създаване на интерактивни </a:t>
-            </a:r>
-            <a:r>
-              <a:rPr lang="en-US" sz="3200" dirty="0"/>
-              <a:t/>
             </a:r>
             <a:br>
               <a:rPr lang="en-US" sz="3200" dirty="0"/>
@@ -19904,14 +19887,13 @@
           <a:lstStyle/>
           <a:p>
             <a:r>
-              <a:rPr lang="bg-BG" dirty="0" smtClean="0"/>
+              <a:rPr lang="bg-BG" dirty="0"/>
               <a:t>Интерфейс на </a:t>
             </a:r>
             <a:r>
-              <a:rPr lang="en-US" dirty="0" smtClean="0"/>
+              <a:rPr lang="en-US" dirty="0"/>
               <a:t>Scratch</a:t>
             </a:r>
-            <a:endParaRPr lang="en-US" dirty="0"/>
           </a:p>
         </p:txBody>
       </p:sp>
@@ -19976,13 +19958,6 @@
       <p:transition spd="slow" advClick="0" advTm="5000"/>
     </mc:Fallback>
   </mc:AlternateContent>
-  <p:timing>
-    <p:tnLst>
-      <p:par>
-        <p:cTn id="1" dur="indefinite" restart="never" nodeType="tmRoot"/>
-      </p:par>
-    </p:tnLst>
-  </p:timing>
 </p:sld>
 </file>
 
@@ -20192,13 +20167,6 @@
       <p:transition spd="slow" advClick="0" advTm="5000"/>
     </mc:Fallback>
   </mc:AlternateContent>
-  <p:timing>
-    <p:tnLst>
-      <p:par>
-        <p:cTn id="1" dur="indefinite" restart="never" nodeType="tmRoot"/>
-      </p:par>
-    </p:tnLst>
-  </p:timing>
 </p:sld>
 </file>
 

--- a/Courses/Computer-Modeling-and-IT/Computer-Modeling-and-IT-5-Class/16-Programming-in-Scratch/16-Programming-in-Scratch.pptx
+++ b/Courses/Computer-Modeling-and-IT/Computer-Modeling-and-IT-5-Class/16-Programming-in-Scratch/16-Programming-in-Scratch.pptx
@@ -309,7 +309,7 @@
           <a:p>
             <a:fld id="{4E087215-0C8F-4762-A664-737A353EC9A4}" type="datetimeFigureOut">
               <a:rPr lang="bg-BG" smtClean="0"/>
-              <a:t>27.02.24 г.</a:t>
+              <a:t>17.12.2024 г.</a:t>
             </a:fld>
             <a:endParaRPr lang="bg-BG"/>
           </a:p>
@@ -505,7 +505,7 @@
           <a:p>
             <a:fld id="{72D84649-876A-46C9-8472-14CB09C070D8}" type="datetimeFigureOut">
               <a:rPr lang="en-US" smtClean="0"/>
-              <a:t>2/27/24</a:t>
+              <a:t>12/17/2024</a:t>
             </a:fld>
             <a:endParaRPr lang="en-US"/>
           </a:p>
@@ -19008,7 +19008,7 @@
 </file>
 
 <file path=ppt/slides/slide28.xml><?xml version="1.0" encoding="utf-8"?>
-<p:sld xmlns:a="http://schemas.openxmlformats.org/drawingml/2006/main" xmlns:r="http://schemas.openxmlformats.org/officeDocument/2006/relationships" xmlns:p="http://schemas.openxmlformats.org/presentationml/2006/main">
+<p:sld xmlns:a="http://schemas.openxmlformats.org/drawingml/2006/main" xmlns:r="http://schemas.openxmlformats.org/officeDocument/2006/relationships" xmlns:p="http://schemas.openxmlformats.org/presentationml/2006/main" show="0">
   <p:cSld>
     <p:spTree>
       <p:nvGrpSpPr>
@@ -19379,11 +19379,11 @@
   <p:clrMapOvr>
     <a:masterClrMapping/>
   </p:clrMapOvr>
-  <mc:AlternateContent xmlns:mc="http://schemas.openxmlformats.org/markup-compatibility/2006" xmlns:p14="http://schemas.microsoft.com/office/powerpoint/2010/main">
-    <mc:Choice Requires="p14">
+  <mc:AlternateContent xmlns:mc="http://schemas.openxmlformats.org/markup-compatibility/2006">
+    <mc:Choice xmlns:p14="http://schemas.microsoft.com/office/powerpoint/2010/main" Requires="p14">
       <p:transition spd="slow" p14:dur="2000" advClick="0" advTm="5000"/>
     </mc:Choice>
-    <mc:Fallback xmlns="">
+    <mc:Fallback>
       <p:transition spd="slow" advClick="0" advTm="5000"/>
     </mc:Fallback>
   </mc:AlternateContent>

--- a/Courses/Computer-Modeling-and-IT/Computer-Modeling-and-IT-5-Class/16-Programming-in-Scratch/16-Programming-in-Scratch.pptx
+++ b/Courses/Computer-Modeling-and-IT/Computer-Modeling-and-IT-5-Class/16-Programming-in-Scratch/16-Programming-in-Scratch.pptx
@@ -8970,22 +8970,18 @@
                   <a:schemeClr val="bg1"/>
                 </a:solidFill>
               </a:rPr>
-              <a:t>Спрайт (</a:t>
-            </a:r>
-            <a:r>
-              <a:rPr lang="en-US" b="1" dirty="0">
-                <a:solidFill>
-                  <a:schemeClr val="bg1"/>
-                </a:solidFill>
-              </a:rPr>
+              <a:t>Спрайт </a:t>
+            </a:r>
+            <a:r>
+              <a:rPr lang="bg-BG" dirty="0"/>
+              <a:t>(</a:t>
+            </a:r>
+            <a:r>
+              <a:rPr lang="en-US" b="1" dirty="0"/>
               <a:t>Sprite</a:t>
             </a:r>
             <a:r>
-              <a:rPr lang="bg-BG" b="1" dirty="0">
-                <a:solidFill>
-                  <a:schemeClr val="bg1"/>
-                </a:solidFill>
-              </a:rPr>
+              <a:rPr lang="bg-BG" dirty="0"/>
               <a:t>)</a:t>
             </a:r>
             <a:r>
@@ -18042,7 +18038,7 @@
             <a:r>
               <a:rPr lang="en-US" sz="2900" b="1" dirty="0">
                 <a:solidFill>
-                  <a:schemeClr val="bg1">
+                  <a:schemeClr val="accent1">
                     <a:lumMod val="60000"/>
                     <a:lumOff val="40000"/>
                   </a:schemeClr>
@@ -18095,7 +18091,7 @@
             <a:r>
               <a:rPr lang="bg-BG" sz="2900" b="1" dirty="0">
                 <a:solidFill>
-                  <a:schemeClr val="bg1">
+                  <a:schemeClr val="accent1">
                     <a:lumMod val="60000"/>
                     <a:lumOff val="40000"/>
                   </a:schemeClr>
@@ -18156,7 +18152,7 @@
             <a:r>
               <a:rPr lang="en-US" sz="2900" b="1" dirty="0">
                 <a:solidFill>
-                  <a:schemeClr val="bg1">
+                  <a:schemeClr val="accent1">
                     <a:lumMod val="60000"/>
                     <a:lumOff val="40000"/>
                   </a:schemeClr>
@@ -18255,7 +18251,7 @@
             <a:r>
               <a:rPr lang="bg-BG" sz="2900" b="1" dirty="0">
                 <a:solidFill>
-                  <a:schemeClr val="bg1">
+                  <a:schemeClr val="accent1">
                     <a:lumMod val="60000"/>
                     <a:lumOff val="40000"/>
                   </a:schemeClr>
@@ -18266,7 +18262,7 @@
             <a:r>
               <a:rPr lang="bg-BG" sz="2900" dirty="0">
                 <a:solidFill>
-                  <a:schemeClr val="bg1">
+                  <a:schemeClr val="accent1">
                     <a:lumMod val="60000"/>
                     <a:lumOff val="40000"/>
                   </a:schemeClr>
@@ -18327,13 +18323,24 @@
             <a:r>
               <a:rPr lang="bg-BG" sz="2900" b="1" dirty="0">
                 <a:solidFill>
+                  <a:schemeClr val="accent1">
+                    <a:lumMod val="60000"/>
+                    <a:lumOff val="40000"/>
+                  </a:schemeClr>
+                </a:solidFill>
+              </a:rPr>
+              <a:t>Скрипт</a:t>
+            </a:r>
+            <a:r>
+              <a:rPr lang="bg-BG" sz="2900" b="1" dirty="0">
+                <a:solidFill>
                   <a:schemeClr val="bg1">
                     <a:lumMod val="60000"/>
                     <a:lumOff val="40000"/>
                   </a:schemeClr>
                 </a:solidFill>
               </a:rPr>
-              <a:t>Скрипт </a:t>
+              <a:t> </a:t>
             </a:r>
             <a:r>
               <a:rPr lang="en-US" sz="2900" dirty="0">
@@ -18372,7 +18379,7 @@
             <a:r>
               <a:rPr lang="bg-BG" sz="2900" b="1" dirty="0">
                 <a:solidFill>
-                  <a:schemeClr val="bg1">
+                  <a:schemeClr val="accent1">
                     <a:lumMod val="60000"/>
                     <a:lumOff val="40000"/>
                   </a:schemeClr>
@@ -19379,11 +19386,11 @@
   <p:clrMapOvr>
     <a:masterClrMapping/>
   </p:clrMapOvr>
-  <mc:AlternateContent xmlns:mc="http://schemas.openxmlformats.org/markup-compatibility/2006">
-    <mc:Choice xmlns:p14="http://schemas.microsoft.com/office/powerpoint/2010/main" Requires="p14">
+  <mc:AlternateContent xmlns:mc="http://schemas.openxmlformats.org/markup-compatibility/2006" xmlns:p14="http://schemas.microsoft.com/office/powerpoint/2010/main">
+    <mc:Choice Requires="p14">
       <p:transition spd="slow" p14:dur="2000" advClick="0" advTm="5000"/>
     </mc:Choice>
-    <mc:Fallback>
+    <mc:Fallback xmlns="">
       <p:transition spd="slow" advClick="0" advTm="5000"/>
     </mc:Fallback>
   </mc:AlternateContent>
@@ -21525,7 +21532,15 @@
             </a:r>
             <a:r>
               <a:rPr lang="bg-BG" dirty="0"/>
-              <a:t> е полето, в което се </a:t>
+              <a:t> </a:t>
+            </a:r>
+            <a:r>
+              <a:rPr lang="en-GB" dirty="0"/>
+              <a:t>–</a:t>
+            </a:r>
+            <a:r>
+              <a:rPr lang="bg-BG" dirty="0"/>
+              <a:t> полето, в което се </a:t>
             </a:r>
             <a:r>
               <a:rPr lang="bg-BG" b="1" dirty="0"/>
@@ -21816,23 +21831,23 @@
                   <a:schemeClr val="bg1"/>
                 </a:solidFill>
               </a:rPr>
-              <a:t> картинки (</a:t>
-            </a:r>
-            <a:r>
-              <a:rPr lang="ru-RU" b="1" dirty="0" err="1">
-                <a:solidFill>
-                  <a:schemeClr val="bg1"/>
-                </a:solidFill>
-              </a:rPr>
+              <a:t> картинки </a:t>
+            </a:r>
+            <a:r>
+              <a:rPr lang="bg-BG" dirty="0"/>
+              <a:t>(</a:t>
+            </a:r>
+            <a:r>
+              <a:rPr lang="ru-RU" b="1" dirty="0" err="1"/>
               <a:t>спрайтове</a:t>
             </a:r>
             <a:r>
-              <a:rPr lang="ru-RU" b="1" dirty="0">
-                <a:solidFill>
-                  <a:schemeClr val="bg1"/>
-                </a:solidFill>
-              </a:rPr>
-              <a:t>) </a:t>
+              <a:rPr lang="ru-RU" dirty="0"/>
+              <a:t>)</a:t>
+            </a:r>
+            <a:r>
+              <a:rPr lang="ru-RU" b="1" dirty="0"/>
+              <a:t> </a:t>
             </a:r>
             <a:r>
               <a:rPr lang="ru-RU" dirty="0"/>
